--- a/Presentation.pptx
+++ b/Presentation.pptx
@@ -6,15 +6,16 @@
   </p:sldMasterIdLst>
   <p:sldIdLst>
     <p:sldId id="256" r:id="rId2"/>
-    <p:sldId id="257" r:id="rId3"/>
-    <p:sldId id="258" r:id="rId4"/>
-    <p:sldId id="259" r:id="rId5"/>
-    <p:sldId id="260" r:id="rId6"/>
-    <p:sldId id="261" r:id="rId7"/>
-    <p:sldId id="262" r:id="rId8"/>
-    <p:sldId id="263" r:id="rId9"/>
-    <p:sldId id="264" r:id="rId10"/>
-    <p:sldId id="266" r:id="rId11"/>
+    <p:sldId id="267" r:id="rId3"/>
+    <p:sldId id="257" r:id="rId4"/>
+    <p:sldId id="263" r:id="rId5"/>
+    <p:sldId id="258" r:id="rId6"/>
+    <p:sldId id="259" r:id="rId7"/>
+    <p:sldId id="260" r:id="rId8"/>
+    <p:sldId id="261" r:id="rId9"/>
+    <p:sldId id="262" r:id="rId10"/>
+    <p:sldId id="264" r:id="rId11"/>
+    <p:sldId id="266" r:id="rId12"/>
   </p:sldIdLst>
   <p:sldSz cx="12192000" cy="6858000"/>
   <p:notesSz cx="6858000" cy="9144000"/>
@@ -351,7 +352,7 @@
             <a:fld id="{B61BEF0D-F0BB-DE4B-95CE-6DB70DBA9567}" type="datetimeFigureOut">
               <a:rPr lang="en-US" dirty="0"/>
               <a:pPr/>
-              <a:t>11/29/2021</a:t>
+              <a:t>11/30/2021</a:t>
             </a:fld>
             <a:endParaRPr lang="en-US" dirty="0"/>
           </a:p>
@@ -682,7 +683,7 @@
             <a:fld id="{B61BEF0D-F0BB-DE4B-95CE-6DB70DBA9567}" type="datetimeFigureOut">
               <a:rPr lang="en-US" dirty="0"/>
               <a:pPr/>
-              <a:t>11/29/2021</a:t>
+              <a:t>11/30/2021</a:t>
             </a:fld>
             <a:endParaRPr lang="en-US" dirty="0"/>
           </a:p>
@@ -957,7 +958,7 @@
             <a:fld id="{B61BEF0D-F0BB-DE4B-95CE-6DB70DBA9567}" type="datetimeFigureOut">
               <a:rPr lang="en-US" dirty="0"/>
               <a:pPr/>
-              <a:t>11/29/2021</a:t>
+              <a:t>11/30/2021</a:t>
             </a:fld>
             <a:endParaRPr lang="en-US" dirty="0"/>
           </a:p>
@@ -1522,7 +1523,7 @@
             <a:fld id="{B61BEF0D-F0BB-DE4B-95CE-6DB70DBA9567}" type="datetimeFigureOut">
               <a:rPr lang="en-US" dirty="0"/>
               <a:pPr/>
-              <a:t>11/29/2021</a:t>
+              <a:t>11/30/2021</a:t>
             </a:fld>
             <a:endParaRPr lang="en-US" dirty="0"/>
           </a:p>
@@ -1797,7 +1798,7 @@
             <a:fld id="{B61BEF0D-F0BB-DE4B-95CE-6DB70DBA9567}" type="datetimeFigureOut">
               <a:rPr lang="en-US" dirty="0"/>
               <a:pPr/>
-              <a:t>11/29/2021</a:t>
+              <a:t>11/30/2021</a:t>
             </a:fld>
             <a:endParaRPr lang="en-US" dirty="0"/>
           </a:p>
@@ -2356,7 +2357,7 @@
             <a:fld id="{B61BEF0D-F0BB-DE4B-95CE-6DB70DBA9567}" type="datetimeFigureOut">
               <a:rPr lang="en-US" dirty="0"/>
               <a:pPr/>
-              <a:t>11/29/2021</a:t>
+              <a:t>11/30/2021</a:t>
             </a:fld>
             <a:endParaRPr lang="en-US" dirty="0"/>
           </a:p>
@@ -2680,7 +2681,7 @@
             <a:fld id="{B61BEF0D-F0BB-DE4B-95CE-6DB70DBA9567}" type="datetimeFigureOut">
               <a:rPr lang="en-US" dirty="0"/>
               <a:pPr/>
-              <a:t>11/29/2021</a:t>
+              <a:t>11/30/2021</a:t>
             </a:fld>
             <a:endParaRPr lang="en-US" dirty="0"/>
           </a:p>
@@ -2854,7 +2855,7 @@
             <a:fld id="{B61BEF0D-F0BB-DE4B-95CE-6DB70DBA9567}" type="datetimeFigureOut">
               <a:rPr lang="en-US" dirty="0"/>
               <a:pPr/>
-              <a:t>11/29/2021</a:t>
+              <a:t>11/30/2021</a:t>
             </a:fld>
             <a:endParaRPr lang="en-US" dirty="0"/>
           </a:p>
@@ -3089,7 +3090,7 @@
             <a:fld id="{B61BEF0D-F0BB-DE4B-95CE-6DB70DBA9567}" type="datetimeFigureOut">
               <a:rPr lang="en-US" dirty="0"/>
               <a:pPr/>
-              <a:t>11/29/2021</a:t>
+              <a:t>11/30/2021</a:t>
             </a:fld>
             <a:endParaRPr lang="en-US" dirty="0"/>
           </a:p>
@@ -3286,7 +3287,7 @@
             <a:fld id="{B61BEF0D-F0BB-DE4B-95CE-6DB70DBA9567}" type="datetimeFigureOut">
               <a:rPr lang="en-US" dirty="0"/>
               <a:pPr/>
-              <a:t>11/29/2021</a:t>
+              <a:t>11/30/2021</a:t>
             </a:fld>
             <a:endParaRPr lang="en-US" dirty="0"/>
           </a:p>
@@ -3559,7 +3560,7 @@
             <a:fld id="{B61BEF0D-F0BB-DE4B-95CE-6DB70DBA9567}" type="datetimeFigureOut">
               <a:rPr lang="en-US" dirty="0"/>
               <a:pPr/>
-              <a:t>11/29/2021</a:t>
+              <a:t>11/30/2021</a:t>
             </a:fld>
             <a:endParaRPr lang="en-US" dirty="0"/>
           </a:p>
@@ -3822,7 +3823,7 @@
             <a:fld id="{B61BEF0D-F0BB-DE4B-95CE-6DB70DBA9567}" type="datetimeFigureOut">
               <a:rPr lang="en-US" dirty="0"/>
               <a:pPr/>
-              <a:t>11/29/2021</a:t>
+              <a:t>11/30/2021</a:t>
             </a:fld>
             <a:endParaRPr lang="en-US" dirty="0"/>
           </a:p>
@@ -4193,7 +4194,7 @@
             <a:fld id="{B61BEF0D-F0BB-DE4B-95CE-6DB70DBA9567}" type="datetimeFigureOut">
               <a:rPr lang="en-US" dirty="0"/>
               <a:pPr/>
-              <a:t>11/29/2021</a:t>
+              <a:t>11/30/2021</a:t>
             </a:fld>
             <a:endParaRPr lang="en-US" dirty="0"/>
           </a:p>
@@ -4338,7 +4339,7 @@
             <a:fld id="{B61BEF0D-F0BB-DE4B-95CE-6DB70DBA9567}" type="datetimeFigureOut">
               <a:rPr lang="en-US" dirty="0"/>
               <a:pPr/>
-              <a:t>11/29/2021</a:t>
+              <a:t>11/30/2021</a:t>
             </a:fld>
             <a:endParaRPr lang="en-US" dirty="0"/>
           </a:p>
@@ -4460,7 +4461,7 @@
             <a:fld id="{B61BEF0D-F0BB-DE4B-95CE-6DB70DBA9567}" type="datetimeFigureOut">
               <a:rPr lang="en-US" dirty="0"/>
               <a:pPr/>
-              <a:t>11/29/2021</a:t>
+              <a:t>11/30/2021</a:t>
             </a:fld>
             <a:endParaRPr lang="en-US" dirty="0"/>
           </a:p>
@@ -4742,7 +4743,7 @@
             <a:fld id="{B61BEF0D-F0BB-DE4B-95CE-6DB70DBA9567}" type="datetimeFigureOut">
               <a:rPr lang="en-US" dirty="0"/>
               <a:pPr/>
-              <a:t>11/29/2021</a:t>
+              <a:t>11/30/2021</a:t>
             </a:fld>
             <a:endParaRPr lang="en-US" dirty="0"/>
           </a:p>
@@ -5063,7 +5064,7 @@
             <a:fld id="{B61BEF0D-F0BB-DE4B-95CE-6DB70DBA9567}" type="datetimeFigureOut">
               <a:rPr lang="en-US" dirty="0"/>
               <a:pPr/>
-              <a:t>11/29/2021</a:t>
+              <a:t>11/30/2021</a:t>
             </a:fld>
             <a:endParaRPr lang="en-US" dirty="0"/>
           </a:p>
@@ -5274,7 +5275,7 @@
             <a:fld id="{B61BEF0D-F0BB-DE4B-95CE-6DB70DBA9567}" type="datetimeFigureOut">
               <a:rPr lang="en-US" dirty="0"/>
               <a:pPr/>
-              <a:t>11/29/2021</a:t>
+              <a:t>11/30/2021</a:t>
             </a:fld>
             <a:endParaRPr lang="en-US" dirty="0"/>
           </a:p>
@@ -5869,6 +5870,93 @@
           <a:chExt cx="0" cy="0"/>
         </a:xfrm>
       </p:grpSpPr>
+      <p:sp>
+        <p:nvSpPr>
+          <p:cNvPr id="2" name="Title 1">
+            <a:extLst>
+              <a:ext uri="{FF2B5EF4-FFF2-40B4-BE49-F238E27FC236}">
+                <a16:creationId xmlns:a16="http://schemas.microsoft.com/office/drawing/2014/main" id="{33EA348F-FBD2-4858-B6FF-8A000B3A0489}"/>
+              </a:ext>
+            </a:extLst>
+          </p:cNvPr>
+          <p:cNvSpPr>
+            <a:spLocks noGrp="1"/>
+          </p:cNvSpPr>
+          <p:nvPr>
+            <p:ph type="title"/>
+          </p:nvPr>
+        </p:nvSpPr>
+        <p:spPr/>
+        <p:txBody>
+          <a:bodyPr/>
+          <a:lstStyle/>
+          <a:p>
+            <a:r>
+              <a:rPr lang="en-US" dirty="0"/>
+              <a:t>UML</a:t>
+            </a:r>
+          </a:p>
+        </p:txBody>
+      </p:sp>
+      <p:pic>
+        <p:nvPicPr>
+          <p:cNvPr id="5" name="Content Placeholder 4">
+            <a:extLst>
+              <a:ext uri="{FF2B5EF4-FFF2-40B4-BE49-F238E27FC236}">
+                <a16:creationId xmlns:a16="http://schemas.microsoft.com/office/drawing/2014/main" id="{E150FB0F-3822-43D1-BAB4-8176FC16637D}"/>
+              </a:ext>
+            </a:extLst>
+          </p:cNvPr>
+          <p:cNvPicPr>
+            <a:picLocks noGrp="1" noChangeAspect="1"/>
+          </p:cNvPicPr>
+          <p:nvPr>
+            <p:ph idx="1"/>
+          </p:nvPr>
+        </p:nvPicPr>
+        <p:blipFill>
+          <a:blip r:embed="rId2"/>
+          <a:stretch>
+            <a:fillRect/>
+          </a:stretch>
+        </p:blipFill>
+        <p:spPr>
+          <a:xfrm>
+            <a:off x="914102" y="2065867"/>
+            <a:ext cx="10363796" cy="4103217"/>
+          </a:xfrm>
+        </p:spPr>
+      </p:pic>
+    </p:spTree>
+    <p:extLst>
+      <p:ext uri="{BB962C8B-B14F-4D97-AF65-F5344CB8AC3E}">
+        <p14:creationId xmlns:p14="http://schemas.microsoft.com/office/powerpoint/2010/main" val="2327009108"/>
+      </p:ext>
+    </p:extLst>
+  </p:cSld>
+  <p:clrMapOvr>
+    <a:masterClrMapping/>
+  </p:clrMapOvr>
+</p:sld>
+</file>
+
+<file path=ppt/slides/slide11.xml><?xml version="1.0" encoding="utf-8"?>
+<p:sld xmlns:a="http://schemas.openxmlformats.org/drawingml/2006/main" xmlns:r="http://schemas.openxmlformats.org/officeDocument/2006/relationships" xmlns:p="http://schemas.openxmlformats.org/presentationml/2006/main">
+  <p:cSld>
+    <p:spTree>
+      <p:nvGrpSpPr>
+        <p:cNvPr id="1" name=""/>
+        <p:cNvGrpSpPr/>
+        <p:nvPr/>
+      </p:nvGrpSpPr>
+      <p:grpSpPr>
+        <a:xfrm>
+          <a:off x="0" y="0"/>
+          <a:ext cx="0" cy="0"/>
+          <a:chOff x="0" y="0"/>
+          <a:chExt cx="0" cy="0"/>
+        </a:xfrm>
+      </p:grpSpPr>
       <p:pic>
         <p:nvPicPr>
           <p:cNvPr id="7" name="Picture 6">
@@ -5934,6 +6022,92 @@
           <p:cNvPr id="2" name="Title 1">
             <a:extLst>
               <a:ext uri="{FF2B5EF4-FFF2-40B4-BE49-F238E27FC236}">
+                <a16:creationId xmlns:a16="http://schemas.microsoft.com/office/drawing/2014/main" id="{44935247-AEE4-426A-B145-694CEDB7CD24}"/>
+              </a:ext>
+            </a:extLst>
+          </p:cNvPr>
+          <p:cNvSpPr>
+            <a:spLocks noGrp="1"/>
+          </p:cNvSpPr>
+          <p:nvPr>
+            <p:ph type="title"/>
+          </p:nvPr>
+        </p:nvSpPr>
+        <p:spPr/>
+        <p:txBody>
+          <a:bodyPr/>
+          <a:lstStyle/>
+          <a:p>
+            <a:r>
+              <a:rPr lang="en-US" dirty="0"/>
+              <a:t>The Problem</a:t>
+            </a:r>
+          </a:p>
+        </p:txBody>
+      </p:sp>
+      <p:sp>
+        <p:nvSpPr>
+          <p:cNvPr id="3" name="Content Placeholder 2">
+            <a:extLst>
+              <a:ext uri="{FF2B5EF4-FFF2-40B4-BE49-F238E27FC236}">
+                <a16:creationId xmlns:a16="http://schemas.microsoft.com/office/drawing/2014/main" id="{64453B4A-BDFB-4434-BECF-CDA3E62F1556}"/>
+              </a:ext>
+            </a:extLst>
+          </p:cNvPr>
+          <p:cNvSpPr>
+            <a:spLocks noGrp="1"/>
+          </p:cNvSpPr>
+          <p:nvPr>
+            <p:ph idx="1"/>
+          </p:nvPr>
+        </p:nvSpPr>
+        <p:spPr/>
+        <p:txBody>
+          <a:bodyPr/>
+          <a:lstStyle/>
+          <a:p>
+            <a:r>
+              <a:rPr lang="en-US" dirty="0"/>
+              <a:t>Consider five philosophers who spend their lives thinking and eating. The philosophers share a circular table surrounded by five chairs, each belonging to one philosopher. In the center of the table is a bowl of rice, and the table is laid with five single chopsticks. When a philosopher thinks, she does not interact with her colleagues. From time to time, a philosopher gets hungry and tries to pick up the two chopsticks that are closest to her (the chopsticks that are between her and her left and right neighbors). A philosopher may pick up only one chopstick at a time. Obviously, she cannot pick up a chopstick that is already in the hand of a neighbor. When a hungry philosopher has both her chopsticks at the same time, she eats without releasing the chopsticks. When she is finished eating, she puts down both chopsticks and starts thinking again. </a:t>
+            </a:r>
+          </a:p>
+        </p:txBody>
+      </p:sp>
+    </p:spTree>
+    <p:extLst>
+      <p:ext uri="{BB962C8B-B14F-4D97-AF65-F5344CB8AC3E}">
+        <p14:creationId xmlns:p14="http://schemas.microsoft.com/office/powerpoint/2010/main" val="312215877"/>
+      </p:ext>
+    </p:extLst>
+  </p:cSld>
+  <p:clrMapOvr>
+    <a:masterClrMapping/>
+  </p:clrMapOvr>
+</p:sld>
+</file>
+
+<file path=ppt/slides/slide3.xml><?xml version="1.0" encoding="utf-8"?>
+<p:sld xmlns:a="http://schemas.openxmlformats.org/drawingml/2006/main" xmlns:r="http://schemas.openxmlformats.org/officeDocument/2006/relationships" xmlns:p="http://schemas.openxmlformats.org/presentationml/2006/main">
+  <p:cSld>
+    <p:spTree>
+      <p:nvGrpSpPr>
+        <p:cNvPr id="1" name=""/>
+        <p:cNvGrpSpPr/>
+        <p:nvPr/>
+      </p:nvGrpSpPr>
+      <p:grpSpPr>
+        <a:xfrm>
+          <a:off x="0" y="0"/>
+          <a:ext cx="0" cy="0"/>
+          <a:chOff x="0" y="0"/>
+          <a:chExt cx="0" cy="0"/>
+        </a:xfrm>
+      </p:grpSpPr>
+      <p:sp>
+        <p:nvSpPr>
+          <p:cNvPr id="2" name="Title 1">
+            <a:extLst>
+              <a:ext uri="{FF2B5EF4-FFF2-40B4-BE49-F238E27FC236}">
                 <a16:creationId xmlns:a16="http://schemas.microsoft.com/office/drawing/2014/main" id="{33EA348F-FBD2-4858-B6FF-8A000B3A0489}"/>
               </a:ext>
             </a:extLst>
@@ -5995,7 +6169,90 @@
 </p:sld>
 </file>
 
-<file path=ppt/slides/slide3.xml><?xml version="1.0" encoding="utf-8"?>
+<file path=ppt/slides/slide4.xml><?xml version="1.0" encoding="utf-8"?>
+<p:sld xmlns:a="http://schemas.openxmlformats.org/drawingml/2006/main" xmlns:r="http://schemas.openxmlformats.org/officeDocument/2006/relationships" xmlns:p="http://schemas.openxmlformats.org/presentationml/2006/main">
+  <p:cSld>
+    <p:spTree>
+      <p:nvGrpSpPr>
+        <p:cNvPr id="1" name=""/>
+        <p:cNvGrpSpPr/>
+        <p:nvPr/>
+      </p:nvGrpSpPr>
+      <p:grpSpPr>
+        <a:xfrm>
+          <a:off x="0" y="0"/>
+          <a:ext cx="0" cy="0"/>
+          <a:chOff x="0" y="0"/>
+          <a:chExt cx="0" cy="0"/>
+        </a:xfrm>
+      </p:grpSpPr>
+      <p:sp>
+        <p:nvSpPr>
+          <p:cNvPr id="2" name="Title 1">
+            <a:extLst>
+              <a:ext uri="{FF2B5EF4-FFF2-40B4-BE49-F238E27FC236}">
+                <a16:creationId xmlns:a16="http://schemas.microsoft.com/office/drawing/2014/main" id="{33EA348F-FBD2-4858-B6FF-8A000B3A0489}"/>
+              </a:ext>
+            </a:extLst>
+          </p:cNvPr>
+          <p:cNvSpPr>
+            <a:spLocks noGrp="1"/>
+          </p:cNvSpPr>
+          <p:nvPr>
+            <p:ph type="title"/>
+          </p:nvPr>
+        </p:nvSpPr>
+        <p:spPr/>
+        <p:txBody>
+          <a:bodyPr/>
+          <a:lstStyle/>
+          <a:p>
+            <a:r>
+              <a:rPr lang="en-US" dirty="0"/>
+              <a:t>Challenges faced</a:t>
+            </a:r>
+          </a:p>
+        </p:txBody>
+      </p:sp>
+      <p:sp>
+        <p:nvSpPr>
+          <p:cNvPr id="3" name="Content Placeholder 2">
+            <a:extLst>
+              <a:ext uri="{FF2B5EF4-FFF2-40B4-BE49-F238E27FC236}">
+                <a16:creationId xmlns:a16="http://schemas.microsoft.com/office/drawing/2014/main" id="{87379F3D-0D31-4CEA-8AEC-F34CEEFB841C}"/>
+              </a:ext>
+            </a:extLst>
+          </p:cNvPr>
+          <p:cNvSpPr>
+            <a:spLocks noGrp="1"/>
+          </p:cNvSpPr>
+          <p:nvPr>
+            <p:ph idx="1"/>
+          </p:nvPr>
+        </p:nvSpPr>
+        <p:spPr/>
+        <p:txBody>
+          <a:bodyPr/>
+          <a:lstStyle/>
+          <a:p>
+            <a:endParaRPr lang="en-US"/>
+          </a:p>
+        </p:txBody>
+      </p:sp>
+    </p:spTree>
+    <p:extLst>
+      <p:ext uri="{BB962C8B-B14F-4D97-AF65-F5344CB8AC3E}">
+        <p14:creationId xmlns:p14="http://schemas.microsoft.com/office/powerpoint/2010/main" val="76325399"/>
+      </p:ext>
+    </p:extLst>
+  </p:cSld>
+  <p:clrMapOvr>
+    <a:masterClrMapping/>
+  </p:clrMapOvr>
+</p:sld>
+</file>
+
+<file path=ppt/slides/slide5.xml><?xml version="1.0" encoding="utf-8"?>
 <p:sld xmlns:a="http://schemas.openxmlformats.org/drawingml/2006/main" xmlns:r="http://schemas.openxmlformats.org/officeDocument/2006/relationships" xmlns:p="http://schemas.openxmlformats.org/presentationml/2006/main">
   <p:cSld>
     <p:spTree>
@@ -6082,172 +6339,6 @@
 </p:sld>
 </file>
 
-<file path=ppt/slides/slide4.xml><?xml version="1.0" encoding="utf-8"?>
-<p:sld xmlns:a="http://schemas.openxmlformats.org/drawingml/2006/main" xmlns:r="http://schemas.openxmlformats.org/officeDocument/2006/relationships" xmlns:p="http://schemas.openxmlformats.org/presentationml/2006/main">
-  <p:cSld>
-    <p:spTree>
-      <p:nvGrpSpPr>
-        <p:cNvPr id="1" name=""/>
-        <p:cNvGrpSpPr/>
-        <p:nvPr/>
-      </p:nvGrpSpPr>
-      <p:grpSpPr>
-        <a:xfrm>
-          <a:off x="0" y="0"/>
-          <a:ext cx="0" cy="0"/>
-          <a:chOff x="0" y="0"/>
-          <a:chExt cx="0" cy="0"/>
-        </a:xfrm>
-      </p:grpSpPr>
-      <p:sp>
-        <p:nvSpPr>
-          <p:cNvPr id="2" name="Title 1">
-            <a:extLst>
-              <a:ext uri="{FF2B5EF4-FFF2-40B4-BE49-F238E27FC236}">
-                <a16:creationId xmlns:a16="http://schemas.microsoft.com/office/drawing/2014/main" id="{33EA348F-FBD2-4858-B6FF-8A000B3A0489}"/>
-              </a:ext>
-            </a:extLst>
-          </p:cNvPr>
-          <p:cNvSpPr>
-            <a:spLocks noGrp="1"/>
-          </p:cNvSpPr>
-          <p:nvPr>
-            <p:ph type="title"/>
-          </p:nvPr>
-        </p:nvSpPr>
-        <p:spPr/>
-        <p:txBody>
-          <a:bodyPr/>
-          <a:lstStyle/>
-          <a:p>
-            <a:r>
-              <a:rPr lang="en-US" dirty="0"/>
-              <a:t>Main Method Explained</a:t>
-            </a:r>
-          </a:p>
-        </p:txBody>
-      </p:sp>
-      <p:sp>
-        <p:nvSpPr>
-          <p:cNvPr id="3" name="Content Placeholder 2">
-            <a:extLst>
-              <a:ext uri="{FF2B5EF4-FFF2-40B4-BE49-F238E27FC236}">
-                <a16:creationId xmlns:a16="http://schemas.microsoft.com/office/drawing/2014/main" id="{87379F3D-0D31-4CEA-8AEC-F34CEEFB841C}"/>
-              </a:ext>
-            </a:extLst>
-          </p:cNvPr>
-          <p:cNvSpPr>
-            <a:spLocks noGrp="1"/>
-          </p:cNvSpPr>
-          <p:nvPr>
-            <p:ph idx="1"/>
-          </p:nvPr>
-        </p:nvSpPr>
-        <p:spPr/>
-        <p:txBody>
-          <a:bodyPr/>
-          <a:lstStyle/>
-          <a:p>
-            <a:endParaRPr lang="en-US"/>
-          </a:p>
-        </p:txBody>
-      </p:sp>
-    </p:spTree>
-    <p:extLst>
-      <p:ext uri="{BB962C8B-B14F-4D97-AF65-F5344CB8AC3E}">
-        <p14:creationId xmlns:p14="http://schemas.microsoft.com/office/powerpoint/2010/main" val="2383972380"/>
-      </p:ext>
-    </p:extLst>
-  </p:cSld>
-  <p:clrMapOvr>
-    <a:masterClrMapping/>
-  </p:clrMapOvr>
-</p:sld>
-</file>
-
-<file path=ppt/slides/slide5.xml><?xml version="1.0" encoding="utf-8"?>
-<p:sld xmlns:a="http://schemas.openxmlformats.org/drawingml/2006/main" xmlns:r="http://schemas.openxmlformats.org/officeDocument/2006/relationships" xmlns:p="http://schemas.openxmlformats.org/presentationml/2006/main">
-  <p:cSld>
-    <p:spTree>
-      <p:nvGrpSpPr>
-        <p:cNvPr id="1" name=""/>
-        <p:cNvGrpSpPr/>
-        <p:nvPr/>
-      </p:nvGrpSpPr>
-      <p:grpSpPr>
-        <a:xfrm>
-          <a:off x="0" y="0"/>
-          <a:ext cx="0" cy="0"/>
-          <a:chOff x="0" y="0"/>
-          <a:chExt cx="0" cy="0"/>
-        </a:xfrm>
-      </p:grpSpPr>
-      <p:sp>
-        <p:nvSpPr>
-          <p:cNvPr id="2" name="Title 1">
-            <a:extLst>
-              <a:ext uri="{FF2B5EF4-FFF2-40B4-BE49-F238E27FC236}">
-                <a16:creationId xmlns:a16="http://schemas.microsoft.com/office/drawing/2014/main" id="{33EA348F-FBD2-4858-B6FF-8A000B3A0489}"/>
-              </a:ext>
-            </a:extLst>
-          </p:cNvPr>
-          <p:cNvSpPr>
-            <a:spLocks noGrp="1"/>
-          </p:cNvSpPr>
-          <p:nvPr>
-            <p:ph type="title"/>
-          </p:nvPr>
-        </p:nvSpPr>
-        <p:spPr/>
-        <p:txBody>
-          <a:bodyPr/>
-          <a:lstStyle/>
-          <a:p>
-            <a:r>
-              <a:rPr lang="en-US" dirty="0"/>
-              <a:t>Philosopher Class</a:t>
-            </a:r>
-          </a:p>
-        </p:txBody>
-      </p:sp>
-      <p:sp>
-        <p:nvSpPr>
-          <p:cNvPr id="3" name="Content Placeholder 2">
-            <a:extLst>
-              <a:ext uri="{FF2B5EF4-FFF2-40B4-BE49-F238E27FC236}">
-                <a16:creationId xmlns:a16="http://schemas.microsoft.com/office/drawing/2014/main" id="{87379F3D-0D31-4CEA-8AEC-F34CEEFB841C}"/>
-              </a:ext>
-            </a:extLst>
-          </p:cNvPr>
-          <p:cNvSpPr>
-            <a:spLocks noGrp="1"/>
-          </p:cNvSpPr>
-          <p:nvPr>
-            <p:ph idx="1"/>
-          </p:nvPr>
-        </p:nvSpPr>
-        <p:spPr/>
-        <p:txBody>
-          <a:bodyPr/>
-          <a:lstStyle/>
-          <a:p>
-            <a:endParaRPr lang="en-US"/>
-          </a:p>
-        </p:txBody>
-      </p:sp>
-    </p:spTree>
-    <p:extLst>
-      <p:ext uri="{BB962C8B-B14F-4D97-AF65-F5344CB8AC3E}">
-        <p14:creationId xmlns:p14="http://schemas.microsoft.com/office/powerpoint/2010/main" val="747123852"/>
-      </p:ext>
-    </p:extLst>
-  </p:cSld>
-  <p:clrMapOvr>
-    <a:masterClrMapping/>
-  </p:clrMapOvr>
-</p:sld>
-</file>
-
 <file path=ppt/slides/slide6.xml><?xml version="1.0" encoding="utf-8"?>
 <p:sld xmlns:a="http://schemas.openxmlformats.org/drawingml/2006/main" xmlns:r="http://schemas.openxmlformats.org/officeDocument/2006/relationships" xmlns:p="http://schemas.openxmlformats.org/presentationml/2006/main">
   <p:cSld>
@@ -6288,7 +6379,7 @@
           <a:p>
             <a:r>
               <a:rPr lang="en-US" dirty="0"/>
-              <a:t>Philosopher Class explained</a:t>
+              <a:t>Main Method Explained</a:t>
             </a:r>
           </a:p>
         </p:txBody>
@@ -6314,14 +6405,35 @@
           <a:bodyPr/>
           <a:lstStyle/>
           <a:p>
-            <a:endParaRPr lang="en-US"/>
+            <a:r>
+              <a:rPr lang="en-US" dirty="0"/>
+              <a:t>Runs Everything </a:t>
+            </a:r>
+          </a:p>
+          <a:p>
+            <a:r>
+              <a:rPr lang="en-US" dirty="0"/>
+              <a:t>Starts the Philosophers </a:t>
+            </a:r>
+          </a:p>
+          <a:p>
+            <a:r>
+              <a:rPr lang="en-US" dirty="0"/>
+              <a:t>Creates the sticks</a:t>
+            </a:r>
+          </a:p>
+          <a:p>
+            <a:r>
+              <a:rPr lang="en-US" dirty="0"/>
+              <a:t>Assigns the sticks </a:t>
+            </a:r>
           </a:p>
         </p:txBody>
       </p:sp>
     </p:spTree>
     <p:extLst>
       <p:ext uri="{BB962C8B-B14F-4D97-AF65-F5344CB8AC3E}">
-        <p14:creationId xmlns:p14="http://schemas.microsoft.com/office/powerpoint/2010/main" val="2962842195"/>
+        <p14:creationId xmlns:p14="http://schemas.microsoft.com/office/powerpoint/2010/main" val="2383972380"/>
       </p:ext>
     </p:extLst>
   </p:cSld>
@@ -6371,40 +6483,105 @@
           <a:p>
             <a:r>
               <a:rPr lang="en-US" dirty="0"/>
-              <a:t>Philosopher class - run</a:t>
-            </a:r>
-          </a:p>
-        </p:txBody>
-      </p:sp>
-      <p:sp>
-        <p:nvSpPr>
-          <p:cNvPr id="3" name="Content Placeholder 2">
+              <a:t>Philosopher Class</a:t>
+            </a:r>
+          </a:p>
+        </p:txBody>
+      </p:sp>
+      <p:pic>
+        <p:nvPicPr>
+          <p:cNvPr id="5" name="Picture 4">
             <a:extLst>
               <a:ext uri="{FF2B5EF4-FFF2-40B4-BE49-F238E27FC236}">
-                <a16:creationId xmlns:a16="http://schemas.microsoft.com/office/drawing/2014/main" id="{87379F3D-0D31-4CEA-8AEC-F34CEEFB841C}"/>
+                <a16:creationId xmlns:a16="http://schemas.microsoft.com/office/drawing/2014/main" id="{A70D44F8-F11C-450C-916A-D8088803A7E2}"/>
               </a:ext>
             </a:extLst>
           </p:cNvPr>
-          <p:cNvSpPr>
-            <a:spLocks noGrp="1"/>
-          </p:cNvSpPr>
-          <p:nvPr>
-            <p:ph idx="1"/>
-          </p:nvPr>
-        </p:nvSpPr>
-        <p:spPr/>
-        <p:txBody>
-          <a:bodyPr/>
-          <a:lstStyle/>
-          <a:p>
-            <a:endParaRPr lang="en-US"/>
-          </a:p>
-        </p:txBody>
-      </p:sp>
+          <p:cNvPicPr>
+            <a:picLocks noChangeAspect="1"/>
+          </p:cNvPicPr>
+          <p:nvPr/>
+        </p:nvPicPr>
+        <p:blipFill>
+          <a:blip r:embed="rId2"/>
+          <a:stretch>
+            <a:fillRect/>
+          </a:stretch>
+        </p:blipFill>
+        <p:spPr>
+          <a:xfrm>
+            <a:off x="8128639" y="1835573"/>
+            <a:ext cx="3472796" cy="3745830"/>
+          </a:xfrm>
+          <a:prstGeom prst="rect">
+            <a:avLst/>
+          </a:prstGeom>
+        </p:spPr>
+      </p:pic>
+      <p:pic>
+        <p:nvPicPr>
+          <p:cNvPr id="7" name="Picture 6">
+            <a:extLst>
+              <a:ext uri="{FF2B5EF4-FFF2-40B4-BE49-F238E27FC236}">
+                <a16:creationId xmlns:a16="http://schemas.microsoft.com/office/drawing/2014/main" id="{BE4657A5-5B68-4DB5-A938-0A3C52A069F7}"/>
+              </a:ext>
+            </a:extLst>
+          </p:cNvPr>
+          <p:cNvPicPr>
+            <a:picLocks noChangeAspect="1"/>
+          </p:cNvPicPr>
+          <p:nvPr/>
+        </p:nvPicPr>
+        <p:blipFill>
+          <a:blip r:embed="rId3"/>
+          <a:stretch>
+            <a:fillRect/>
+          </a:stretch>
+        </p:blipFill>
+        <p:spPr>
+          <a:xfrm>
+            <a:off x="685801" y="1835573"/>
+            <a:ext cx="3377560" cy="3745830"/>
+          </a:xfrm>
+          <a:prstGeom prst="rect">
+            <a:avLst/>
+          </a:prstGeom>
+        </p:spPr>
+      </p:pic>
+      <p:pic>
+        <p:nvPicPr>
+          <p:cNvPr id="9" name="Picture 8">
+            <a:extLst>
+              <a:ext uri="{FF2B5EF4-FFF2-40B4-BE49-F238E27FC236}">
+                <a16:creationId xmlns:a16="http://schemas.microsoft.com/office/drawing/2014/main" id="{FA95E79F-42CD-491C-BBCC-B95CF6F8D3D1}"/>
+              </a:ext>
+            </a:extLst>
+          </p:cNvPr>
+          <p:cNvPicPr>
+            <a:picLocks noChangeAspect="1"/>
+          </p:cNvPicPr>
+          <p:nvPr/>
+        </p:nvPicPr>
+        <p:blipFill>
+          <a:blip r:embed="rId4"/>
+          <a:stretch>
+            <a:fillRect/>
+          </a:stretch>
+        </p:blipFill>
+        <p:spPr>
+          <a:xfrm>
+            <a:off x="4359602" y="1835573"/>
+            <a:ext cx="3472796" cy="2553190"/>
+          </a:xfrm>
+          <a:prstGeom prst="rect">
+            <a:avLst/>
+          </a:prstGeom>
+        </p:spPr>
+      </p:pic>
     </p:spTree>
     <p:extLst>
       <p:ext uri="{BB962C8B-B14F-4D97-AF65-F5344CB8AC3E}">
-        <p14:creationId xmlns:p14="http://schemas.microsoft.com/office/powerpoint/2010/main" val="1100539259"/>
+        <p14:creationId xmlns:p14="http://schemas.microsoft.com/office/powerpoint/2010/main" val="747123852"/>
       </p:ext>
     </p:extLst>
   </p:cSld>
@@ -6454,7 +6631,7 @@
           <a:p>
             <a:r>
               <a:rPr lang="en-US" dirty="0"/>
-              <a:t>Challenges faced</a:t>
+              <a:t>Philosopher Class explained</a:t>
             </a:r>
           </a:p>
         </p:txBody>
@@ -6480,14 +6657,32 @@
           <a:bodyPr/>
           <a:lstStyle/>
           <a:p>
-            <a:endParaRPr lang="en-US"/>
+            <a:r>
+              <a:rPr lang="en-US" dirty="0"/>
+              <a:t>Creates the Philosophers </a:t>
+            </a:r>
+          </a:p>
+          <a:p>
+            <a:r>
+              <a:rPr lang="en-US" dirty="0"/>
+              <a:t>Creates the Sticks </a:t>
+            </a:r>
+          </a:p>
+          <a:p>
+            <a:r>
+              <a:rPr lang="en-US" dirty="0"/>
+              <a:t>Sets states for philosopher </a:t>
+            </a:r>
+          </a:p>
+          <a:p>
+            <a:endParaRPr lang="en-US" dirty="0"/>
           </a:p>
         </p:txBody>
       </p:sp>
     </p:spTree>
     <p:extLst>
       <p:ext uri="{BB962C8B-B14F-4D97-AF65-F5344CB8AC3E}">
-        <p14:creationId xmlns:p14="http://schemas.microsoft.com/office/powerpoint/2010/main" val="76325399"/>
+        <p14:creationId xmlns:p14="http://schemas.microsoft.com/office/powerpoint/2010/main" val="2962842195"/>
       </p:ext>
     </p:extLst>
   </p:cSld>
@@ -6537,26 +6732,54 @@
           <a:p>
             <a:r>
               <a:rPr lang="en-US" dirty="0"/>
-              <a:t>UML</a:t>
-            </a:r>
+              <a:t>Philosopher class - run</a:t>
+            </a:r>
+          </a:p>
+        </p:txBody>
+      </p:sp>
+      <p:sp>
+        <p:nvSpPr>
+          <p:cNvPr id="3" name="Content Placeholder 2">
+            <a:extLst>
+              <a:ext uri="{FF2B5EF4-FFF2-40B4-BE49-F238E27FC236}">
+                <a16:creationId xmlns:a16="http://schemas.microsoft.com/office/drawing/2014/main" id="{87379F3D-0D31-4CEA-8AEC-F34CEEFB841C}"/>
+              </a:ext>
+            </a:extLst>
+          </p:cNvPr>
+          <p:cNvSpPr>
+            <a:spLocks noGrp="1"/>
+          </p:cNvSpPr>
+          <p:nvPr>
+            <p:ph idx="1"/>
+          </p:nvPr>
+        </p:nvSpPr>
+        <p:spPr>
+          <a:xfrm>
+            <a:off x="685802" y="2142067"/>
+            <a:ext cx="4713926" cy="3649133"/>
+          </a:xfrm>
+        </p:spPr>
+        <p:txBody>
+          <a:bodyPr/>
+          <a:lstStyle/>
+          <a:p>
+            <a:endParaRPr lang="en-US" dirty="0"/>
           </a:p>
         </p:txBody>
       </p:sp>
       <p:pic>
         <p:nvPicPr>
-          <p:cNvPr id="5" name="Content Placeholder 4">
+          <p:cNvPr id="5" name="Picture 4">
             <a:extLst>
               <a:ext uri="{FF2B5EF4-FFF2-40B4-BE49-F238E27FC236}">
-                <a16:creationId xmlns:a16="http://schemas.microsoft.com/office/drawing/2014/main" id="{E150FB0F-3822-43D1-BAB4-8176FC16637D}"/>
+                <a16:creationId xmlns:a16="http://schemas.microsoft.com/office/drawing/2014/main" id="{110D6B1A-3660-48FD-9963-5E9563E51F80}"/>
               </a:ext>
             </a:extLst>
           </p:cNvPr>
           <p:cNvPicPr>
-            <a:picLocks noGrp="1" noChangeAspect="1"/>
+            <a:picLocks noChangeAspect="1"/>
           </p:cNvPicPr>
-          <p:nvPr>
-            <p:ph idx="1"/>
-          </p:nvPr>
+          <p:nvPr/>
         </p:nvPicPr>
         <p:blipFill>
           <a:blip r:embed="rId2"/>
@@ -6566,15 +6789,18 @@
         </p:blipFill>
         <p:spPr>
           <a:xfrm>
-            <a:off x="914102" y="2065867"/>
-            <a:ext cx="10363796" cy="4103217"/>
+            <a:off x="5399727" y="1742446"/>
+            <a:ext cx="6792273" cy="4505954"/>
           </a:xfrm>
+          <a:prstGeom prst="rect">
+            <a:avLst/>
+          </a:prstGeom>
         </p:spPr>
       </p:pic>
     </p:spTree>
     <p:extLst>
       <p:ext uri="{BB962C8B-B14F-4D97-AF65-F5344CB8AC3E}">
-        <p14:creationId xmlns:p14="http://schemas.microsoft.com/office/powerpoint/2010/main" val="2327009108"/>
+        <p14:creationId xmlns:p14="http://schemas.microsoft.com/office/powerpoint/2010/main" val="1100539259"/>
       </p:ext>
     </p:extLst>
   </p:cSld>

--- a/Presentation.pptx
+++ b/Presentation.pptx
@@ -7,14 +7,13 @@
   <p:sldIdLst>
     <p:sldId id="256" r:id="rId2"/>
     <p:sldId id="257" r:id="rId3"/>
-    <p:sldId id="258" r:id="rId4"/>
-    <p:sldId id="259" r:id="rId5"/>
-    <p:sldId id="260" r:id="rId6"/>
-    <p:sldId id="261" r:id="rId7"/>
-    <p:sldId id="262" r:id="rId8"/>
-    <p:sldId id="263" r:id="rId9"/>
-    <p:sldId id="264" r:id="rId10"/>
-    <p:sldId id="266" r:id="rId11"/>
+    <p:sldId id="263" r:id="rId4"/>
+    <p:sldId id="260" r:id="rId5"/>
+    <p:sldId id="262" r:id="rId6"/>
+    <p:sldId id="258" r:id="rId7"/>
+    <p:sldId id="264" r:id="rId8"/>
+    <p:sldId id="268" r:id="rId9"/>
+    <p:sldId id="266" r:id="rId10"/>
   </p:sldIdLst>
   <p:sldSz cx="12192000" cy="6858000"/>
   <p:notesSz cx="6858000" cy="9144000"/>
@@ -351,7 +350,7 @@
             <a:fld id="{B61BEF0D-F0BB-DE4B-95CE-6DB70DBA9567}" type="datetimeFigureOut">
               <a:rPr lang="en-US" dirty="0"/>
               <a:pPr/>
-              <a:t>11/29/2021</a:t>
+              <a:t>11/30/21</a:t>
             </a:fld>
             <a:endParaRPr lang="en-US" dirty="0"/>
           </a:p>
@@ -682,7 +681,7 @@
             <a:fld id="{B61BEF0D-F0BB-DE4B-95CE-6DB70DBA9567}" type="datetimeFigureOut">
               <a:rPr lang="en-US" dirty="0"/>
               <a:pPr/>
-              <a:t>11/29/2021</a:t>
+              <a:t>11/30/21</a:t>
             </a:fld>
             <a:endParaRPr lang="en-US" dirty="0"/>
           </a:p>
@@ -957,7 +956,7 @@
             <a:fld id="{B61BEF0D-F0BB-DE4B-95CE-6DB70DBA9567}" type="datetimeFigureOut">
               <a:rPr lang="en-US" dirty="0"/>
               <a:pPr/>
-              <a:t>11/29/2021</a:t>
+              <a:t>11/30/21</a:t>
             </a:fld>
             <a:endParaRPr lang="en-US" dirty="0"/>
           </a:p>
@@ -1522,7 +1521,7 @@
             <a:fld id="{B61BEF0D-F0BB-DE4B-95CE-6DB70DBA9567}" type="datetimeFigureOut">
               <a:rPr lang="en-US" dirty="0"/>
               <a:pPr/>
-              <a:t>11/29/2021</a:t>
+              <a:t>11/30/21</a:t>
             </a:fld>
             <a:endParaRPr lang="en-US" dirty="0"/>
           </a:p>
@@ -1797,7 +1796,7 @@
             <a:fld id="{B61BEF0D-F0BB-DE4B-95CE-6DB70DBA9567}" type="datetimeFigureOut">
               <a:rPr lang="en-US" dirty="0"/>
               <a:pPr/>
-              <a:t>11/29/2021</a:t>
+              <a:t>11/30/21</a:t>
             </a:fld>
             <a:endParaRPr lang="en-US" dirty="0"/>
           </a:p>
@@ -2356,7 +2355,7 @@
             <a:fld id="{B61BEF0D-F0BB-DE4B-95CE-6DB70DBA9567}" type="datetimeFigureOut">
               <a:rPr lang="en-US" dirty="0"/>
               <a:pPr/>
-              <a:t>11/29/2021</a:t>
+              <a:t>11/30/21</a:t>
             </a:fld>
             <a:endParaRPr lang="en-US" dirty="0"/>
           </a:p>
@@ -2680,7 +2679,7 @@
             <a:fld id="{B61BEF0D-F0BB-DE4B-95CE-6DB70DBA9567}" type="datetimeFigureOut">
               <a:rPr lang="en-US" dirty="0"/>
               <a:pPr/>
-              <a:t>11/29/2021</a:t>
+              <a:t>11/30/21</a:t>
             </a:fld>
             <a:endParaRPr lang="en-US" dirty="0"/>
           </a:p>
@@ -2854,7 +2853,7 @@
             <a:fld id="{B61BEF0D-F0BB-DE4B-95CE-6DB70DBA9567}" type="datetimeFigureOut">
               <a:rPr lang="en-US" dirty="0"/>
               <a:pPr/>
-              <a:t>11/29/2021</a:t>
+              <a:t>11/30/21</a:t>
             </a:fld>
             <a:endParaRPr lang="en-US" dirty="0"/>
           </a:p>
@@ -3089,7 +3088,7 @@
             <a:fld id="{B61BEF0D-F0BB-DE4B-95CE-6DB70DBA9567}" type="datetimeFigureOut">
               <a:rPr lang="en-US" dirty="0"/>
               <a:pPr/>
-              <a:t>11/29/2021</a:t>
+              <a:t>11/30/21</a:t>
             </a:fld>
             <a:endParaRPr lang="en-US" dirty="0"/>
           </a:p>
@@ -3286,7 +3285,7 @@
             <a:fld id="{B61BEF0D-F0BB-DE4B-95CE-6DB70DBA9567}" type="datetimeFigureOut">
               <a:rPr lang="en-US" dirty="0"/>
               <a:pPr/>
-              <a:t>11/29/2021</a:t>
+              <a:t>11/30/21</a:t>
             </a:fld>
             <a:endParaRPr lang="en-US" dirty="0"/>
           </a:p>
@@ -3559,7 +3558,7 @@
             <a:fld id="{B61BEF0D-F0BB-DE4B-95CE-6DB70DBA9567}" type="datetimeFigureOut">
               <a:rPr lang="en-US" dirty="0"/>
               <a:pPr/>
-              <a:t>11/29/2021</a:t>
+              <a:t>11/30/21</a:t>
             </a:fld>
             <a:endParaRPr lang="en-US" dirty="0"/>
           </a:p>
@@ -3822,7 +3821,7 @@
             <a:fld id="{B61BEF0D-F0BB-DE4B-95CE-6DB70DBA9567}" type="datetimeFigureOut">
               <a:rPr lang="en-US" dirty="0"/>
               <a:pPr/>
-              <a:t>11/29/2021</a:t>
+              <a:t>11/30/21</a:t>
             </a:fld>
             <a:endParaRPr lang="en-US" dirty="0"/>
           </a:p>
@@ -4193,7 +4192,7 @@
             <a:fld id="{B61BEF0D-F0BB-DE4B-95CE-6DB70DBA9567}" type="datetimeFigureOut">
               <a:rPr lang="en-US" dirty="0"/>
               <a:pPr/>
-              <a:t>11/29/2021</a:t>
+              <a:t>11/30/21</a:t>
             </a:fld>
             <a:endParaRPr lang="en-US" dirty="0"/>
           </a:p>
@@ -4338,7 +4337,7 @@
             <a:fld id="{B61BEF0D-F0BB-DE4B-95CE-6DB70DBA9567}" type="datetimeFigureOut">
               <a:rPr lang="en-US" dirty="0"/>
               <a:pPr/>
-              <a:t>11/29/2021</a:t>
+              <a:t>11/30/21</a:t>
             </a:fld>
             <a:endParaRPr lang="en-US" dirty="0"/>
           </a:p>
@@ -4460,7 +4459,7 @@
             <a:fld id="{B61BEF0D-F0BB-DE4B-95CE-6DB70DBA9567}" type="datetimeFigureOut">
               <a:rPr lang="en-US" dirty="0"/>
               <a:pPr/>
-              <a:t>11/29/2021</a:t>
+              <a:t>11/30/21</a:t>
             </a:fld>
             <a:endParaRPr lang="en-US" dirty="0"/>
           </a:p>
@@ -4742,7 +4741,7 @@
             <a:fld id="{B61BEF0D-F0BB-DE4B-95CE-6DB70DBA9567}" type="datetimeFigureOut">
               <a:rPr lang="en-US" dirty="0"/>
               <a:pPr/>
-              <a:t>11/29/2021</a:t>
+              <a:t>11/30/21</a:t>
             </a:fld>
             <a:endParaRPr lang="en-US" dirty="0"/>
           </a:p>
@@ -5063,7 +5062,7 @@
             <a:fld id="{B61BEF0D-F0BB-DE4B-95CE-6DB70DBA9567}" type="datetimeFigureOut">
               <a:rPr lang="en-US" dirty="0"/>
               <a:pPr/>
-              <a:t>11/29/2021</a:t>
+              <a:t>11/30/21</a:t>
             </a:fld>
             <a:endParaRPr lang="en-US" dirty="0"/>
           </a:p>
@@ -5274,7 +5273,7 @@
             <a:fld id="{B61BEF0D-F0BB-DE4B-95CE-6DB70DBA9567}" type="datetimeFigureOut">
               <a:rPr lang="en-US" dirty="0"/>
               <a:pPr/>
-              <a:t>11/29/2021</a:t>
+              <a:t>11/30/21</a:t>
             </a:fld>
             <a:endParaRPr lang="en-US" dirty="0"/>
           </a:p>
@@ -5767,8 +5766,22 @@
 </file>
 
 <file path=ppt/slides/slide1.xml><?xml version="1.0" encoding="utf-8"?>
-<p:sld xmlns:a="http://schemas.openxmlformats.org/drawingml/2006/main" xmlns:r="http://schemas.openxmlformats.org/officeDocument/2006/relationships" xmlns:p="http://schemas.openxmlformats.org/presentationml/2006/main">
+<p:sld xmlns:a="http://schemas.openxmlformats.org/drawingml/2006/main" xmlns:r="http://schemas.openxmlformats.org/officeDocument/2006/relationships" xmlns:p="http://schemas.openxmlformats.org/presentationml/2006/main" showMasterSp="0">
   <p:cSld>
+    <p:bg>
+      <p:bgPr>
+        <a:blipFill dpi="0" rotWithShape="1">
+          <a:blip r:embed="rId2">
+            <a:lum/>
+          </a:blip>
+          <a:srcRect/>
+          <a:stretch>
+            <a:fillRect l="-2000" r="-2000"/>
+          </a:stretch>
+        </a:blipFill>
+        <a:effectLst/>
+      </p:bgPr>
+    </p:bg>
     <p:spTree>
       <p:nvGrpSpPr>
         <p:cNvPr id="1" name=""/>
@@ -5799,7 +5812,12 @@
             <p:ph type="ctrTitle"/>
           </p:nvPr>
         </p:nvSpPr>
-        <p:spPr/>
+        <p:spPr>
+          <a:xfrm>
+            <a:off x="4204446" y="-1021977"/>
+            <a:ext cx="7197726" cy="2421464"/>
+          </a:xfrm>
+        </p:spPr>
         <p:txBody>
           <a:bodyPr/>
           <a:lstStyle/>
@@ -5827,7 +5845,12 @@
             <p:ph type="subTitle" idx="1"/>
           </p:nvPr>
         </p:nvSpPr>
-        <p:spPr/>
+        <p:spPr>
+          <a:xfrm>
+            <a:off x="4204446" y="1292909"/>
+            <a:ext cx="7197726" cy="1405467"/>
+          </a:xfrm>
+        </p:spPr>
         <p:txBody>
           <a:bodyPr/>
           <a:lstStyle/>
@@ -5852,9 +5875,991 @@
 </p:sld>
 </file>
 
-<file path=ppt/slides/slide10.xml><?xml version="1.0" encoding="utf-8"?>
+<file path=ppt/slides/slide2.xml><?xml version="1.0" encoding="utf-8"?>
+<p:sld xmlns:a="http://schemas.openxmlformats.org/drawingml/2006/main" xmlns:r="http://schemas.openxmlformats.org/officeDocument/2006/relationships" xmlns:p="http://schemas.openxmlformats.org/presentationml/2006/main" showMasterSp="0">
+  <p:cSld>
+    <p:bg>
+      <p:bgPr>
+        <a:blipFill dpi="0" rotWithShape="1">
+          <a:blip r:embed="rId2">
+            <a:lum/>
+          </a:blip>
+          <a:srcRect/>
+          <a:stretch>
+            <a:fillRect t="-17000" b="-17000"/>
+          </a:stretch>
+        </a:blipFill>
+        <a:effectLst/>
+      </p:bgPr>
+    </p:bg>
+    <p:spTree>
+      <p:nvGrpSpPr>
+        <p:cNvPr id="1" name=""/>
+        <p:cNvGrpSpPr/>
+        <p:nvPr/>
+      </p:nvGrpSpPr>
+      <p:grpSpPr>
+        <a:xfrm>
+          <a:off x="0" y="0"/>
+          <a:ext cx="0" cy="0"/>
+          <a:chOff x="0" y="0"/>
+          <a:chExt cx="0" cy="0"/>
+        </a:xfrm>
+      </p:grpSpPr>
+      <p:sp>
+        <p:nvSpPr>
+          <p:cNvPr id="2" name="Title 1">
+            <a:extLst>
+              <a:ext uri="{FF2B5EF4-FFF2-40B4-BE49-F238E27FC236}">
+                <a16:creationId xmlns:a16="http://schemas.microsoft.com/office/drawing/2014/main" id="{33EA348F-FBD2-4858-B6FF-8A000B3A0489}"/>
+              </a:ext>
+            </a:extLst>
+          </p:cNvPr>
+          <p:cNvSpPr>
+            <a:spLocks noGrp="1"/>
+          </p:cNvSpPr>
+          <p:nvPr>
+            <p:ph type="title"/>
+          </p:nvPr>
+        </p:nvSpPr>
+        <p:spPr>
+          <a:xfrm>
+            <a:off x="7650653" y="811434"/>
+            <a:ext cx="4150516" cy="1608124"/>
+          </a:xfrm>
+        </p:spPr>
+        <p:txBody>
+          <a:bodyPr>
+            <a:normAutofit/>
+          </a:bodyPr>
+          <a:lstStyle/>
+          <a:p>
+            <a:r>
+              <a:rPr lang="en-US" dirty="0">
+                <a:solidFill>
+                  <a:schemeClr val="bg1">
+                    <a:lumMod val="85000"/>
+                    <a:lumOff val="15000"/>
+                  </a:schemeClr>
+                </a:solidFill>
+                <a:latin typeface="Times" pitchFamily="2" charset="0"/>
+                <a:cs typeface="Apple Chancery" panose="03020702040506060504" pitchFamily="66" charset="-79"/>
+              </a:rPr>
+              <a:t>The Problem</a:t>
+            </a:r>
+          </a:p>
+        </p:txBody>
+      </p:sp>
+      <p:pic>
+        <p:nvPicPr>
+          <p:cNvPr id="6" name="Picture 5" descr="Icon&#10;&#10;Description automatically generated with medium confidence">
+            <a:extLst>
+              <a:ext uri="{FF2B5EF4-FFF2-40B4-BE49-F238E27FC236}">
+                <a16:creationId xmlns:a16="http://schemas.microsoft.com/office/drawing/2014/main" id="{46ABD02E-E1E7-6148-A607-449C30D55817}"/>
+              </a:ext>
+            </a:extLst>
+          </p:cNvPr>
+          <p:cNvPicPr>
+            <a:picLocks noChangeAspect="1"/>
+          </p:cNvPicPr>
+          <p:nvPr/>
+        </p:nvPicPr>
+        <p:blipFill>
+          <a:blip r:embed="rId3"/>
+          <a:stretch>
+            <a:fillRect/>
+          </a:stretch>
+        </p:blipFill>
+        <p:spPr>
+          <a:xfrm>
+            <a:off x="1302225" y="643463"/>
+            <a:ext cx="5580356" cy="5580356"/>
+          </a:xfrm>
+          <a:prstGeom prst="roundRect">
+            <a:avLst>
+              <a:gd name="adj" fmla="val 4380"/>
+            </a:avLst>
+          </a:prstGeom>
+          <a:ln w="50800" cap="sq" cmpd="dbl">
+            <a:gradFill flip="none" rotWithShape="1">
+              <a:gsLst>
+                <a:gs pos="0">
+                  <a:srgbClr val="FFFFFF"/>
+                </a:gs>
+                <a:gs pos="100000">
+                  <a:schemeClr val="tx1">
+                    <a:alpha val="0"/>
+                  </a:schemeClr>
+                </a:gs>
+              </a:gsLst>
+              <a:path path="circle">
+                <a:fillToRect l="50000" t="50000" r="50000" b="50000"/>
+              </a:path>
+              <a:tileRect/>
+            </a:gradFill>
+            <a:miter lim="800000"/>
+          </a:ln>
+          <a:effectLst>
+            <a:outerShdw blurRad="254000" algn="tl" rotWithShape="0">
+              <a:srgbClr val="000000">
+                <a:alpha val="43000"/>
+              </a:srgbClr>
+            </a:outerShdw>
+          </a:effectLst>
+        </p:spPr>
+      </p:pic>
+      <p:sp>
+        <p:nvSpPr>
+          <p:cNvPr id="3" name="Content Placeholder 2">
+            <a:extLst>
+              <a:ext uri="{FF2B5EF4-FFF2-40B4-BE49-F238E27FC236}">
+                <a16:creationId xmlns:a16="http://schemas.microsoft.com/office/drawing/2014/main" id="{87379F3D-0D31-4CEA-8AEC-F34CEEFB841C}"/>
+              </a:ext>
+            </a:extLst>
+          </p:cNvPr>
+          <p:cNvSpPr>
+            <a:spLocks noGrp="1"/>
+          </p:cNvSpPr>
+          <p:nvPr>
+            <p:ph idx="1"/>
+          </p:nvPr>
+        </p:nvSpPr>
+        <p:spPr>
+          <a:xfrm>
+            <a:off x="7395158" y="1883672"/>
+            <a:ext cx="3706762" cy="3090655"/>
+          </a:xfrm>
+        </p:spPr>
+        <p:txBody>
+          <a:bodyPr anchor="t">
+            <a:normAutofit/>
+          </a:bodyPr>
+          <a:lstStyle/>
+          <a:p>
+            <a:pPr algn="ctr"/>
+            <a:r>
+              <a:rPr lang="en-US" dirty="0">
+                <a:solidFill>
+                  <a:schemeClr val="bg1">
+                    <a:lumMod val="85000"/>
+                    <a:lumOff val="15000"/>
+                  </a:schemeClr>
+                </a:solidFill>
+                <a:latin typeface="Times" pitchFamily="2" charset="0"/>
+              </a:rPr>
+              <a:t>In the problem there are five philosophers that alternate between eating and thinking. On the table there are five sticks, when a philosopher wants to eat is must pick up the stick to his left and right when they are available. He then must eat and then set them down and begin to think again.</a:t>
+            </a:r>
+          </a:p>
+        </p:txBody>
+      </p:sp>
+    </p:spTree>
+    <p:extLst>
+      <p:ext uri="{BB962C8B-B14F-4D97-AF65-F5344CB8AC3E}">
+        <p14:creationId xmlns:p14="http://schemas.microsoft.com/office/powerpoint/2010/main" val="2411010687"/>
+      </p:ext>
+    </p:extLst>
+  </p:cSld>
+  <p:clrMapOvr>
+    <a:masterClrMapping/>
+  </p:clrMapOvr>
+</p:sld>
+</file>
+
+<file path=ppt/slides/slide3.xml><?xml version="1.0" encoding="utf-8"?>
+<p:sld xmlns:a="http://schemas.openxmlformats.org/drawingml/2006/main" xmlns:r="http://schemas.openxmlformats.org/officeDocument/2006/relationships" xmlns:p="http://schemas.openxmlformats.org/presentationml/2006/main" showMasterSp="0">
+  <p:cSld>
+    <p:bg>
+      <p:bgPr>
+        <a:blipFill dpi="0" rotWithShape="1">
+          <a:blip r:embed="rId2">
+            <a:lum/>
+          </a:blip>
+          <a:srcRect/>
+          <a:stretch>
+            <a:fillRect t="-17000" b="-17000"/>
+          </a:stretch>
+        </a:blipFill>
+        <a:effectLst/>
+      </p:bgPr>
+    </p:bg>
+    <p:spTree>
+      <p:nvGrpSpPr>
+        <p:cNvPr id="1" name=""/>
+        <p:cNvGrpSpPr/>
+        <p:nvPr/>
+      </p:nvGrpSpPr>
+      <p:grpSpPr>
+        <a:xfrm>
+          <a:off x="0" y="0"/>
+          <a:ext cx="0" cy="0"/>
+          <a:chOff x="0" y="0"/>
+          <a:chExt cx="0" cy="0"/>
+        </a:xfrm>
+      </p:grpSpPr>
+      <p:sp>
+        <p:nvSpPr>
+          <p:cNvPr id="3" name="Content Placeholder 2">
+            <a:extLst>
+              <a:ext uri="{FF2B5EF4-FFF2-40B4-BE49-F238E27FC236}">
+                <a16:creationId xmlns:a16="http://schemas.microsoft.com/office/drawing/2014/main" id="{87379F3D-0D31-4CEA-8AEC-F34CEEFB841C}"/>
+              </a:ext>
+            </a:extLst>
+          </p:cNvPr>
+          <p:cNvSpPr>
+            <a:spLocks noGrp="1"/>
+          </p:cNvSpPr>
+          <p:nvPr>
+            <p:ph idx="1"/>
+          </p:nvPr>
+        </p:nvSpPr>
+        <p:spPr/>
+        <p:txBody>
+          <a:bodyPr/>
+          <a:lstStyle/>
+          <a:p>
+            <a:endParaRPr lang="en-US" dirty="0"/>
+          </a:p>
+        </p:txBody>
+      </p:sp>
+      <p:sp>
+        <p:nvSpPr>
+          <p:cNvPr id="5" name="Title 4">
+            <a:extLst>
+              <a:ext uri="{FF2B5EF4-FFF2-40B4-BE49-F238E27FC236}">
+                <a16:creationId xmlns:a16="http://schemas.microsoft.com/office/drawing/2014/main" id="{A0A63637-96FA-CC4F-9D35-4DA03F0AD956}"/>
+              </a:ext>
+            </a:extLst>
+          </p:cNvPr>
+          <p:cNvSpPr>
+            <a:spLocks noGrp="1"/>
+          </p:cNvSpPr>
+          <p:nvPr>
+            <p:ph type="title"/>
+          </p:nvPr>
+        </p:nvSpPr>
+        <p:spPr/>
+        <p:txBody>
+          <a:bodyPr/>
+          <a:lstStyle/>
+          <a:p>
+            <a:r>
+              <a:rPr lang="en-US" dirty="0">
+                <a:solidFill>
+                  <a:schemeClr val="bg1">
+                    <a:lumMod val="85000"/>
+                    <a:lumOff val="15000"/>
+                  </a:schemeClr>
+                </a:solidFill>
+                <a:latin typeface="Times" pitchFamily="2" charset="0"/>
+              </a:rPr>
+              <a:t>Our Solution</a:t>
+            </a:r>
+          </a:p>
+        </p:txBody>
+      </p:sp>
+    </p:spTree>
+    <p:extLst>
+      <p:ext uri="{BB962C8B-B14F-4D97-AF65-F5344CB8AC3E}">
+        <p14:creationId xmlns:p14="http://schemas.microsoft.com/office/powerpoint/2010/main" val="76325399"/>
+      </p:ext>
+    </p:extLst>
+  </p:cSld>
+  <p:clrMapOvr>
+    <a:masterClrMapping/>
+  </p:clrMapOvr>
+</p:sld>
+</file>
+
+<file path=ppt/slides/slide4.xml><?xml version="1.0" encoding="utf-8"?>
+<p:sld xmlns:a="http://schemas.openxmlformats.org/drawingml/2006/main" xmlns:r="http://schemas.openxmlformats.org/officeDocument/2006/relationships" xmlns:p="http://schemas.openxmlformats.org/presentationml/2006/main" showMasterSp="0">
+  <p:cSld>
+    <p:bg>
+      <p:bgPr>
+        <a:blipFill dpi="0" rotWithShape="1">
+          <a:blip r:embed="rId2">
+            <a:lum/>
+          </a:blip>
+          <a:srcRect/>
+          <a:stretch>
+            <a:fillRect t="-17000" b="-17000"/>
+          </a:stretch>
+        </a:blipFill>
+        <a:effectLst/>
+      </p:bgPr>
+    </p:bg>
+    <p:spTree>
+      <p:nvGrpSpPr>
+        <p:cNvPr id="1" name=""/>
+        <p:cNvGrpSpPr/>
+        <p:nvPr/>
+      </p:nvGrpSpPr>
+      <p:grpSpPr>
+        <a:xfrm>
+          <a:off x="0" y="0"/>
+          <a:ext cx="0" cy="0"/>
+          <a:chOff x="0" y="0"/>
+          <a:chExt cx="0" cy="0"/>
+        </a:xfrm>
+      </p:grpSpPr>
+      <p:sp>
+        <p:nvSpPr>
+          <p:cNvPr id="2" name="Title 1">
+            <a:extLst>
+              <a:ext uri="{FF2B5EF4-FFF2-40B4-BE49-F238E27FC236}">
+                <a16:creationId xmlns:a16="http://schemas.microsoft.com/office/drawing/2014/main" id="{33EA348F-FBD2-4858-B6FF-8A000B3A0489}"/>
+              </a:ext>
+            </a:extLst>
+          </p:cNvPr>
+          <p:cNvSpPr>
+            <a:spLocks noGrp="1"/>
+          </p:cNvSpPr>
+          <p:nvPr>
+            <p:ph type="title"/>
+          </p:nvPr>
+        </p:nvSpPr>
+        <p:spPr/>
+        <p:txBody>
+          <a:bodyPr/>
+          <a:lstStyle/>
+          <a:p>
+            <a:r>
+              <a:rPr lang="en-US" dirty="0">
+                <a:solidFill>
+                  <a:schemeClr val="bg1">
+                    <a:lumMod val="85000"/>
+                    <a:lumOff val="15000"/>
+                  </a:schemeClr>
+                </a:solidFill>
+              </a:rPr>
+              <a:t>Philosopher Class</a:t>
+            </a:r>
+          </a:p>
+        </p:txBody>
+      </p:sp>
+      <p:sp>
+        <p:nvSpPr>
+          <p:cNvPr id="3" name="Content Placeholder 2">
+            <a:extLst>
+              <a:ext uri="{FF2B5EF4-FFF2-40B4-BE49-F238E27FC236}">
+                <a16:creationId xmlns:a16="http://schemas.microsoft.com/office/drawing/2014/main" id="{87379F3D-0D31-4CEA-8AEC-F34CEEFB841C}"/>
+              </a:ext>
+            </a:extLst>
+          </p:cNvPr>
+          <p:cNvSpPr>
+            <a:spLocks noGrp="1"/>
+          </p:cNvSpPr>
+          <p:nvPr>
+            <p:ph idx="1"/>
+          </p:nvPr>
+        </p:nvSpPr>
+        <p:spPr/>
+        <p:txBody>
+          <a:bodyPr/>
+          <a:lstStyle/>
+          <a:p>
+            <a:endParaRPr lang="en-US"/>
+          </a:p>
+        </p:txBody>
+      </p:sp>
+    </p:spTree>
+    <p:extLst>
+      <p:ext uri="{BB962C8B-B14F-4D97-AF65-F5344CB8AC3E}">
+        <p14:creationId xmlns:p14="http://schemas.microsoft.com/office/powerpoint/2010/main" val="747123852"/>
+      </p:ext>
+    </p:extLst>
+  </p:cSld>
+  <p:clrMapOvr>
+    <a:masterClrMapping/>
+  </p:clrMapOvr>
+</p:sld>
+</file>
+
+<file path=ppt/slides/slide5.xml><?xml version="1.0" encoding="utf-8"?>
+<p:sld xmlns:a="http://schemas.openxmlformats.org/drawingml/2006/main" xmlns:r="http://schemas.openxmlformats.org/officeDocument/2006/relationships" xmlns:p="http://schemas.openxmlformats.org/presentationml/2006/main" showMasterSp="0">
+  <p:cSld>
+    <p:bg>
+      <p:bgPr>
+        <a:blipFill dpi="0" rotWithShape="1">
+          <a:blip r:embed="rId2">
+            <a:lum/>
+          </a:blip>
+          <a:srcRect/>
+          <a:stretch>
+            <a:fillRect t="-17000" b="-17000"/>
+          </a:stretch>
+        </a:blipFill>
+        <a:effectLst/>
+      </p:bgPr>
+    </p:bg>
+    <p:spTree>
+      <p:nvGrpSpPr>
+        <p:cNvPr id="1" name=""/>
+        <p:cNvGrpSpPr/>
+        <p:nvPr/>
+      </p:nvGrpSpPr>
+      <p:grpSpPr>
+        <a:xfrm>
+          <a:off x="0" y="0"/>
+          <a:ext cx="0" cy="0"/>
+          <a:chOff x="0" y="0"/>
+          <a:chExt cx="0" cy="0"/>
+        </a:xfrm>
+      </p:grpSpPr>
+      <p:sp>
+        <p:nvSpPr>
+          <p:cNvPr id="8" name="Title 1">
+            <a:extLst>
+              <a:ext uri="{FF2B5EF4-FFF2-40B4-BE49-F238E27FC236}">
+                <a16:creationId xmlns:a16="http://schemas.microsoft.com/office/drawing/2014/main" id="{531FA349-07A8-534F-8CCC-CC1199A65661}"/>
+              </a:ext>
+            </a:extLst>
+          </p:cNvPr>
+          <p:cNvSpPr>
+            <a:spLocks noGrp="1"/>
+          </p:cNvSpPr>
+          <p:nvPr>
+            <p:ph type="title"/>
+          </p:nvPr>
+        </p:nvSpPr>
+        <p:spPr>
+          <a:xfrm>
+            <a:off x="7865806" y="643463"/>
+            <a:ext cx="3706762" cy="1608124"/>
+          </a:xfrm>
+        </p:spPr>
+        <p:txBody>
+          <a:bodyPr>
+            <a:normAutofit/>
+          </a:bodyPr>
+          <a:lstStyle/>
+          <a:p>
+            <a:r>
+              <a:rPr lang="en-US" dirty="0">
+                <a:solidFill>
+                  <a:schemeClr val="bg1">
+                    <a:lumMod val="85000"/>
+                    <a:lumOff val="15000"/>
+                  </a:schemeClr>
+                </a:solidFill>
+                <a:latin typeface="Times" pitchFamily="2" charset="0"/>
+                <a:cs typeface="Apple Chancery" panose="03020702040506060504" pitchFamily="66" charset="-79"/>
+              </a:rPr>
+              <a:t>The RUN Method</a:t>
+            </a:r>
+          </a:p>
+        </p:txBody>
+      </p:sp>
+      <p:pic>
+        <p:nvPicPr>
+          <p:cNvPr id="10" name="Content Placeholder 9" descr="Text&#10;&#10;Description automatically generated">
+            <a:extLst>
+              <a:ext uri="{FF2B5EF4-FFF2-40B4-BE49-F238E27FC236}">
+                <a16:creationId xmlns:a16="http://schemas.microsoft.com/office/drawing/2014/main" id="{8F4D1910-5C1B-E649-B246-01FEC328ACC5}"/>
+              </a:ext>
+            </a:extLst>
+          </p:cNvPr>
+          <p:cNvPicPr>
+            <a:picLocks noChangeAspect="1"/>
+          </p:cNvPicPr>
+          <p:nvPr/>
+        </p:nvPicPr>
+        <p:blipFill>
+          <a:blip r:embed="rId3"/>
+          <a:stretch>
+            <a:fillRect/>
+          </a:stretch>
+        </p:blipFill>
+        <p:spPr>
+          <a:xfrm>
+            <a:off x="643464" y="734847"/>
+            <a:ext cx="6897878" cy="5397588"/>
+          </a:xfrm>
+          <a:prstGeom prst="roundRect">
+            <a:avLst>
+              <a:gd name="adj" fmla="val 4380"/>
+            </a:avLst>
+          </a:prstGeom>
+          <a:ln w="50800" cap="sq" cmpd="dbl">
+            <a:gradFill flip="none" rotWithShape="1">
+              <a:gsLst>
+                <a:gs pos="0">
+                  <a:srgbClr val="FFFFFF"/>
+                </a:gs>
+                <a:gs pos="100000">
+                  <a:schemeClr val="tx1">
+                    <a:alpha val="0"/>
+                  </a:schemeClr>
+                </a:gs>
+              </a:gsLst>
+              <a:path path="circle">
+                <a:fillToRect l="50000" t="50000" r="50000" b="50000"/>
+              </a:path>
+              <a:tileRect/>
+            </a:gradFill>
+            <a:miter lim="800000"/>
+          </a:ln>
+          <a:effectLst>
+            <a:outerShdw blurRad="254000" algn="tl" rotWithShape="0">
+              <a:srgbClr val="000000">
+                <a:alpha val="43000"/>
+              </a:srgbClr>
+            </a:outerShdw>
+          </a:effectLst>
+        </p:spPr>
+      </p:pic>
+      <p:sp>
+        <p:nvSpPr>
+          <p:cNvPr id="14" name="Content Placeholder 13">
+            <a:extLst>
+              <a:ext uri="{FF2B5EF4-FFF2-40B4-BE49-F238E27FC236}">
+                <a16:creationId xmlns:a16="http://schemas.microsoft.com/office/drawing/2014/main" id="{DD267183-9EB8-468E-8873-8AD794CB4669}"/>
+              </a:ext>
+            </a:extLst>
+          </p:cNvPr>
+          <p:cNvSpPr>
+            <a:spLocks noGrp="1"/>
+          </p:cNvSpPr>
+          <p:nvPr>
+            <p:ph idx="1"/>
+          </p:nvPr>
+        </p:nvSpPr>
+        <p:spPr>
+          <a:xfrm>
+            <a:off x="7865806" y="2251587"/>
+            <a:ext cx="3706762" cy="3972232"/>
+          </a:xfrm>
+        </p:spPr>
+        <p:txBody>
+          <a:bodyPr>
+            <a:normAutofit/>
+          </a:bodyPr>
+          <a:lstStyle/>
+          <a:p>
+            <a:endParaRPr lang="en-US"/>
+          </a:p>
+        </p:txBody>
+      </p:sp>
+    </p:spTree>
+    <p:extLst>
+      <p:ext uri="{BB962C8B-B14F-4D97-AF65-F5344CB8AC3E}">
+        <p14:creationId xmlns:p14="http://schemas.microsoft.com/office/powerpoint/2010/main" val="1100539259"/>
+      </p:ext>
+    </p:extLst>
+  </p:cSld>
+  <p:clrMapOvr>
+    <a:masterClrMapping/>
+  </p:clrMapOvr>
+</p:sld>
+</file>
+
+<file path=ppt/slides/slide6.xml><?xml version="1.0" encoding="utf-8"?>
 <p:sld xmlns:a="http://schemas.openxmlformats.org/drawingml/2006/main" xmlns:r="http://schemas.openxmlformats.org/officeDocument/2006/relationships" xmlns:p="http://schemas.openxmlformats.org/presentationml/2006/main">
   <p:cSld>
+    <p:bg>
+      <p:bgPr>
+        <a:blipFill dpi="0" rotWithShape="1">
+          <a:blip r:embed="rId2">
+            <a:lum/>
+          </a:blip>
+          <a:srcRect/>
+          <a:stretch>
+            <a:fillRect t="-17000" b="-17000"/>
+          </a:stretch>
+        </a:blipFill>
+        <a:effectLst/>
+      </p:bgPr>
+    </p:bg>
+    <p:spTree>
+      <p:nvGrpSpPr>
+        <p:cNvPr id="1" name=""/>
+        <p:cNvGrpSpPr/>
+        <p:nvPr/>
+      </p:nvGrpSpPr>
+      <p:grpSpPr>
+        <a:xfrm>
+          <a:off x="0" y="0"/>
+          <a:ext cx="0" cy="0"/>
+          <a:chOff x="0" y="0"/>
+          <a:chExt cx="0" cy="0"/>
+        </a:xfrm>
+      </p:grpSpPr>
+      <p:sp>
+        <p:nvSpPr>
+          <p:cNvPr id="2" name="Title 1">
+            <a:extLst>
+              <a:ext uri="{FF2B5EF4-FFF2-40B4-BE49-F238E27FC236}">
+                <a16:creationId xmlns:a16="http://schemas.microsoft.com/office/drawing/2014/main" id="{33EA348F-FBD2-4858-B6FF-8A000B3A0489}"/>
+              </a:ext>
+            </a:extLst>
+          </p:cNvPr>
+          <p:cNvSpPr>
+            <a:spLocks noGrp="1"/>
+          </p:cNvSpPr>
+          <p:nvPr>
+            <p:ph type="title"/>
+          </p:nvPr>
+        </p:nvSpPr>
+        <p:spPr>
+          <a:xfrm>
+            <a:off x="7865806" y="643463"/>
+            <a:ext cx="3706762" cy="1608124"/>
+          </a:xfrm>
+        </p:spPr>
+        <p:txBody>
+          <a:bodyPr>
+            <a:normAutofit/>
+          </a:bodyPr>
+          <a:lstStyle/>
+          <a:p>
+            <a:r>
+              <a:rPr lang="en-US" dirty="0">
+                <a:solidFill>
+                  <a:schemeClr val="bg1">
+                    <a:lumMod val="85000"/>
+                    <a:lumOff val="15000"/>
+                  </a:schemeClr>
+                </a:solidFill>
+              </a:rPr>
+              <a:t>Main Method</a:t>
+            </a:r>
+          </a:p>
+        </p:txBody>
+      </p:sp>
+      <p:pic>
+        <p:nvPicPr>
+          <p:cNvPr id="5" name="Content Placeholder 4" descr="Text&#10;&#10;Description automatically generated">
+            <a:extLst>
+              <a:ext uri="{FF2B5EF4-FFF2-40B4-BE49-F238E27FC236}">
+                <a16:creationId xmlns:a16="http://schemas.microsoft.com/office/drawing/2014/main" id="{FCA9ECF5-D4CB-4198-BAAD-9D7DEFB82419}"/>
+              </a:ext>
+            </a:extLst>
+          </p:cNvPr>
+          <p:cNvPicPr>
+            <a:picLocks noChangeAspect="1"/>
+          </p:cNvPicPr>
+          <p:nvPr/>
+        </p:nvPicPr>
+        <p:blipFill>
+          <a:blip r:embed="rId3"/>
+          <a:stretch>
+            <a:fillRect/>
+          </a:stretch>
+        </p:blipFill>
+        <p:spPr>
+          <a:xfrm>
+            <a:off x="1472099" y="643463"/>
+            <a:ext cx="5240608" cy="5580356"/>
+          </a:xfrm>
+          <a:prstGeom prst="roundRect">
+            <a:avLst>
+              <a:gd name="adj" fmla="val 4380"/>
+            </a:avLst>
+          </a:prstGeom>
+          <a:ln w="50800" cap="sq" cmpd="dbl">
+            <a:gradFill flip="none" rotWithShape="1">
+              <a:gsLst>
+                <a:gs pos="0">
+                  <a:srgbClr val="FFFFFF"/>
+                </a:gs>
+                <a:gs pos="100000">
+                  <a:schemeClr val="tx1">
+                    <a:alpha val="0"/>
+                  </a:schemeClr>
+                </a:gs>
+              </a:gsLst>
+              <a:path path="circle">
+                <a:fillToRect l="50000" t="50000" r="50000" b="50000"/>
+              </a:path>
+              <a:tileRect/>
+            </a:gradFill>
+            <a:miter lim="800000"/>
+          </a:ln>
+          <a:effectLst>
+            <a:outerShdw blurRad="254000" algn="tl" rotWithShape="0">
+              <a:srgbClr val="000000">
+                <a:alpha val="43000"/>
+              </a:srgbClr>
+            </a:outerShdw>
+          </a:effectLst>
+        </p:spPr>
+      </p:pic>
+    </p:spTree>
+    <p:extLst>
+      <p:ext uri="{BB962C8B-B14F-4D97-AF65-F5344CB8AC3E}">
+        <p14:creationId xmlns:p14="http://schemas.microsoft.com/office/powerpoint/2010/main" val="3492490267"/>
+      </p:ext>
+    </p:extLst>
+  </p:cSld>
+  <p:clrMapOvr>
+    <a:masterClrMapping/>
+  </p:clrMapOvr>
+</p:sld>
+</file>
+
+<file path=ppt/slides/slide7.xml><?xml version="1.0" encoding="utf-8"?>
+<p:sld xmlns:a="http://schemas.openxmlformats.org/drawingml/2006/main" xmlns:r="http://schemas.openxmlformats.org/officeDocument/2006/relationships" xmlns:p="http://schemas.openxmlformats.org/presentationml/2006/main" showMasterSp="0">
+  <p:cSld>
+    <p:bg>
+      <p:bgPr>
+        <a:blipFill dpi="0" rotWithShape="1">
+          <a:blip r:embed="rId2">
+            <a:lum/>
+          </a:blip>
+          <a:srcRect/>
+          <a:stretch>
+            <a:fillRect t="-17000" b="-17000"/>
+          </a:stretch>
+        </a:blipFill>
+        <a:effectLst/>
+      </p:bgPr>
+    </p:bg>
+    <p:spTree>
+      <p:nvGrpSpPr>
+        <p:cNvPr id="1" name=""/>
+        <p:cNvGrpSpPr/>
+        <p:nvPr/>
+      </p:nvGrpSpPr>
+      <p:grpSpPr>
+        <a:xfrm>
+          <a:off x="0" y="0"/>
+          <a:ext cx="0" cy="0"/>
+          <a:chOff x="0" y="0"/>
+          <a:chExt cx="0" cy="0"/>
+        </a:xfrm>
+      </p:grpSpPr>
+      <p:sp>
+        <p:nvSpPr>
+          <p:cNvPr id="2" name="Title 1">
+            <a:extLst>
+              <a:ext uri="{FF2B5EF4-FFF2-40B4-BE49-F238E27FC236}">
+                <a16:creationId xmlns:a16="http://schemas.microsoft.com/office/drawing/2014/main" id="{33EA348F-FBD2-4858-B6FF-8A000B3A0489}"/>
+              </a:ext>
+            </a:extLst>
+          </p:cNvPr>
+          <p:cNvSpPr>
+            <a:spLocks noGrp="1"/>
+          </p:cNvSpPr>
+          <p:nvPr>
+            <p:ph type="title"/>
+          </p:nvPr>
+        </p:nvSpPr>
+        <p:spPr>
+          <a:xfrm>
+            <a:off x="7865806" y="643463"/>
+            <a:ext cx="3706762" cy="1608124"/>
+          </a:xfrm>
+        </p:spPr>
+        <p:txBody>
+          <a:bodyPr>
+            <a:normAutofit/>
+          </a:bodyPr>
+          <a:lstStyle/>
+          <a:p>
+            <a:r>
+              <a:rPr lang="en-US" dirty="0">
+                <a:solidFill>
+                  <a:schemeClr val="bg1">
+                    <a:lumMod val="85000"/>
+                    <a:lumOff val="15000"/>
+                  </a:schemeClr>
+                </a:solidFill>
+              </a:rPr>
+              <a:t>UML</a:t>
+            </a:r>
+          </a:p>
+        </p:txBody>
+      </p:sp>
+      <p:pic>
+        <p:nvPicPr>
+          <p:cNvPr id="7" name="Content Placeholder 6" descr="Diagram&#10;&#10;Description automatically generated">
+            <a:extLst>
+              <a:ext uri="{FF2B5EF4-FFF2-40B4-BE49-F238E27FC236}">
+                <a16:creationId xmlns:a16="http://schemas.microsoft.com/office/drawing/2014/main" id="{DDAD52B9-FEA6-5D4D-87CA-D0AD457C9AC7}"/>
+              </a:ext>
+            </a:extLst>
+          </p:cNvPr>
+          <p:cNvPicPr>
+            <a:picLocks noChangeAspect="1"/>
+          </p:cNvPicPr>
+          <p:nvPr/>
+        </p:nvPicPr>
+        <p:blipFill rotWithShape="1">
+          <a:blip r:embed="rId3"/>
+          <a:srcRect l="1276" r="-1228"/>
+          <a:stretch/>
+        </p:blipFill>
+        <p:spPr>
+          <a:xfrm>
+            <a:off x="731520" y="1838508"/>
+            <a:ext cx="6894576" cy="3190266"/>
+          </a:xfrm>
+          <a:prstGeom prst="roundRect">
+            <a:avLst>
+              <a:gd name="adj" fmla="val 4380"/>
+            </a:avLst>
+          </a:prstGeom>
+          <a:ln w="50800" cap="sq" cmpd="dbl">
+            <a:gradFill flip="none" rotWithShape="1">
+              <a:gsLst>
+                <a:gs pos="0">
+                  <a:srgbClr val="FFFFFF"/>
+                </a:gs>
+                <a:gs pos="100000">
+                  <a:schemeClr val="tx1">
+                    <a:alpha val="0"/>
+                  </a:schemeClr>
+                </a:gs>
+              </a:gsLst>
+              <a:path path="circle">
+                <a:fillToRect l="50000" t="50000" r="50000" b="50000"/>
+              </a:path>
+              <a:tileRect/>
+            </a:gradFill>
+            <a:miter lim="800000"/>
+          </a:ln>
+          <a:effectLst>
+            <a:outerShdw blurRad="254000" algn="tl" rotWithShape="0">
+              <a:srgbClr val="000000">
+                <a:alpha val="43000"/>
+              </a:srgbClr>
+            </a:outerShdw>
+          </a:effectLst>
+        </p:spPr>
+      </p:pic>
+    </p:spTree>
+    <p:extLst>
+      <p:ext uri="{BB962C8B-B14F-4D97-AF65-F5344CB8AC3E}">
+        <p14:creationId xmlns:p14="http://schemas.microsoft.com/office/powerpoint/2010/main" val="2327009108"/>
+      </p:ext>
+    </p:extLst>
+  </p:cSld>
+  <p:clrMapOvr>
+    <a:masterClrMapping/>
+  </p:clrMapOvr>
+</p:sld>
+</file>
+
+<file path=ppt/slides/slide8.xml><?xml version="1.0" encoding="utf-8"?>
+<p:sld xmlns:a="http://schemas.openxmlformats.org/drawingml/2006/main" xmlns:r="http://schemas.openxmlformats.org/officeDocument/2006/relationships" xmlns:p="http://schemas.openxmlformats.org/presentationml/2006/main" showMasterSp="0">
+  <p:cSld>
+    <p:bg>
+      <p:bgPr>
+        <a:blipFill dpi="0" rotWithShape="1">
+          <a:blip r:embed="rId2">
+            <a:lum/>
+          </a:blip>
+          <a:srcRect/>
+          <a:stretch>
+            <a:fillRect t="-17000" b="-17000"/>
+          </a:stretch>
+        </a:blipFill>
+        <a:effectLst/>
+      </p:bgPr>
+    </p:bg>
+    <p:spTree>
+      <p:nvGrpSpPr>
+        <p:cNvPr id="1" name=""/>
+        <p:cNvGrpSpPr/>
+        <p:nvPr/>
+      </p:nvGrpSpPr>
+      <p:grpSpPr>
+        <a:xfrm>
+          <a:off x="0" y="0"/>
+          <a:ext cx="0" cy="0"/>
+          <a:chOff x="0" y="0"/>
+          <a:chExt cx="0" cy="0"/>
+        </a:xfrm>
+      </p:grpSpPr>
+      <p:sp>
+        <p:nvSpPr>
+          <p:cNvPr id="3" name="Content Placeholder 2">
+            <a:extLst>
+              <a:ext uri="{FF2B5EF4-FFF2-40B4-BE49-F238E27FC236}">
+                <a16:creationId xmlns:a16="http://schemas.microsoft.com/office/drawing/2014/main" id="{87379F3D-0D31-4CEA-8AEC-F34CEEFB841C}"/>
+              </a:ext>
+            </a:extLst>
+          </p:cNvPr>
+          <p:cNvSpPr>
+            <a:spLocks noGrp="1"/>
+          </p:cNvSpPr>
+          <p:nvPr>
+            <p:ph idx="1"/>
+          </p:nvPr>
+        </p:nvSpPr>
+        <p:spPr/>
+        <p:txBody>
+          <a:bodyPr/>
+          <a:lstStyle/>
+          <a:p>
+            <a:endParaRPr lang="en-US" dirty="0"/>
+          </a:p>
+        </p:txBody>
+      </p:sp>
+      <p:sp>
+        <p:nvSpPr>
+          <p:cNvPr id="4" name="Title 1">
+            <a:extLst>
+              <a:ext uri="{FF2B5EF4-FFF2-40B4-BE49-F238E27FC236}">
+                <a16:creationId xmlns:a16="http://schemas.microsoft.com/office/drawing/2014/main" id="{55464F88-4DAC-ED4C-BDCA-0A7AA1AEF4C9}"/>
+              </a:ext>
+            </a:extLst>
+          </p:cNvPr>
+          <p:cNvSpPr>
+            <a:spLocks noGrp="1"/>
+          </p:cNvSpPr>
+          <p:nvPr>
+            <p:ph type="title"/>
+          </p:nvPr>
+        </p:nvSpPr>
+        <p:spPr/>
+        <p:txBody>
+          <a:bodyPr/>
+          <a:lstStyle/>
+          <a:p>
+            <a:r>
+              <a:rPr lang="en-US" dirty="0">
+                <a:solidFill>
+                  <a:schemeClr val="bg1">
+                    <a:lumMod val="85000"/>
+                    <a:lumOff val="15000"/>
+                  </a:schemeClr>
+                </a:solidFill>
+              </a:rPr>
+              <a:t>Challenges faced</a:t>
+            </a:r>
+          </a:p>
+        </p:txBody>
+      </p:sp>
+    </p:spTree>
+    <p:extLst>
+      <p:ext uri="{BB962C8B-B14F-4D97-AF65-F5344CB8AC3E}">
+        <p14:creationId xmlns:p14="http://schemas.microsoft.com/office/powerpoint/2010/main" val="1148951564"/>
+      </p:ext>
+    </p:extLst>
+  </p:cSld>
+  <p:clrMapOvr>
+    <a:masterClrMapping/>
+  </p:clrMapOvr>
+</p:sld>
+</file>
+
+<file path=ppt/slides/slide9.xml><?xml version="1.0" encoding="utf-8"?>
+<p:sld xmlns:a="http://schemas.openxmlformats.org/drawingml/2006/main" xmlns:r="http://schemas.openxmlformats.org/officeDocument/2006/relationships" xmlns:p="http://schemas.openxmlformats.org/presentationml/2006/main" showMasterSp="0">
+  <p:cSld>
+    <p:bg>
+      <p:bgPr>
+        <a:blipFill dpi="0" rotWithShape="1">
+          <a:blip r:embed="rId2">
+            <a:lum/>
+          </a:blip>
+          <a:srcRect/>
+          <a:stretch>
+            <a:fillRect t="-17000" b="-17000"/>
+          </a:stretch>
+        </a:blipFill>
+        <a:effectLst/>
+      </p:bgPr>
+    </p:bg>
     <p:spTree>
       <p:nvGrpSpPr>
         <p:cNvPr id="1" name=""/>
@@ -5884,7 +6889,7 @@
           <p:nvPr/>
         </p:nvPicPr>
         <p:blipFill>
-          <a:blip r:embed="rId2"/>
+          <a:blip r:embed="rId3"/>
           <a:stretch>
             <a:fillRect/>
           </a:stretch>
@@ -5903,678 +6908,6 @@
     <p:extLst>
       <p:ext uri="{BB962C8B-B14F-4D97-AF65-F5344CB8AC3E}">
         <p14:creationId xmlns:p14="http://schemas.microsoft.com/office/powerpoint/2010/main" val="335973562"/>
-      </p:ext>
-    </p:extLst>
-  </p:cSld>
-  <p:clrMapOvr>
-    <a:masterClrMapping/>
-  </p:clrMapOvr>
-</p:sld>
-</file>
-
-<file path=ppt/slides/slide2.xml><?xml version="1.0" encoding="utf-8"?>
-<p:sld xmlns:a="http://schemas.openxmlformats.org/drawingml/2006/main" xmlns:r="http://schemas.openxmlformats.org/officeDocument/2006/relationships" xmlns:p="http://schemas.openxmlformats.org/presentationml/2006/main">
-  <p:cSld>
-    <p:spTree>
-      <p:nvGrpSpPr>
-        <p:cNvPr id="1" name=""/>
-        <p:cNvGrpSpPr/>
-        <p:nvPr/>
-      </p:nvGrpSpPr>
-      <p:grpSpPr>
-        <a:xfrm>
-          <a:off x="0" y="0"/>
-          <a:ext cx="0" cy="0"/>
-          <a:chOff x="0" y="0"/>
-          <a:chExt cx="0" cy="0"/>
-        </a:xfrm>
-      </p:grpSpPr>
-      <p:sp>
-        <p:nvSpPr>
-          <p:cNvPr id="2" name="Title 1">
-            <a:extLst>
-              <a:ext uri="{FF2B5EF4-FFF2-40B4-BE49-F238E27FC236}">
-                <a16:creationId xmlns:a16="http://schemas.microsoft.com/office/drawing/2014/main" id="{33EA348F-FBD2-4858-B6FF-8A000B3A0489}"/>
-              </a:ext>
-            </a:extLst>
-          </p:cNvPr>
-          <p:cNvSpPr>
-            <a:spLocks noGrp="1"/>
-          </p:cNvSpPr>
-          <p:nvPr>
-            <p:ph type="title"/>
-          </p:nvPr>
-        </p:nvSpPr>
-        <p:spPr/>
-        <p:txBody>
-          <a:bodyPr/>
-          <a:lstStyle/>
-          <a:p>
-            <a:r>
-              <a:rPr lang="en-US" dirty="0"/>
-              <a:t>Our Solution</a:t>
-            </a:r>
-          </a:p>
-        </p:txBody>
-      </p:sp>
-      <p:sp>
-        <p:nvSpPr>
-          <p:cNvPr id="3" name="Content Placeholder 2">
-            <a:extLst>
-              <a:ext uri="{FF2B5EF4-FFF2-40B4-BE49-F238E27FC236}">
-                <a16:creationId xmlns:a16="http://schemas.microsoft.com/office/drawing/2014/main" id="{87379F3D-0D31-4CEA-8AEC-F34CEEFB841C}"/>
-              </a:ext>
-            </a:extLst>
-          </p:cNvPr>
-          <p:cNvSpPr>
-            <a:spLocks noGrp="1"/>
-          </p:cNvSpPr>
-          <p:nvPr>
-            <p:ph idx="1"/>
-          </p:nvPr>
-        </p:nvSpPr>
-        <p:spPr/>
-        <p:txBody>
-          <a:bodyPr/>
-          <a:lstStyle/>
-          <a:p>
-            <a:endParaRPr lang="en-US"/>
-          </a:p>
-        </p:txBody>
-      </p:sp>
-    </p:spTree>
-    <p:extLst>
-      <p:ext uri="{BB962C8B-B14F-4D97-AF65-F5344CB8AC3E}">
-        <p14:creationId xmlns:p14="http://schemas.microsoft.com/office/powerpoint/2010/main" val="2411010687"/>
-      </p:ext>
-    </p:extLst>
-  </p:cSld>
-  <p:clrMapOvr>
-    <a:masterClrMapping/>
-  </p:clrMapOvr>
-</p:sld>
-</file>
-
-<file path=ppt/slides/slide3.xml><?xml version="1.0" encoding="utf-8"?>
-<p:sld xmlns:a="http://schemas.openxmlformats.org/drawingml/2006/main" xmlns:r="http://schemas.openxmlformats.org/officeDocument/2006/relationships" xmlns:p="http://schemas.openxmlformats.org/presentationml/2006/main">
-  <p:cSld>
-    <p:spTree>
-      <p:nvGrpSpPr>
-        <p:cNvPr id="1" name=""/>
-        <p:cNvGrpSpPr/>
-        <p:nvPr/>
-      </p:nvGrpSpPr>
-      <p:grpSpPr>
-        <a:xfrm>
-          <a:off x="0" y="0"/>
-          <a:ext cx="0" cy="0"/>
-          <a:chOff x="0" y="0"/>
-          <a:chExt cx="0" cy="0"/>
-        </a:xfrm>
-      </p:grpSpPr>
-      <p:sp>
-        <p:nvSpPr>
-          <p:cNvPr id="2" name="Title 1">
-            <a:extLst>
-              <a:ext uri="{FF2B5EF4-FFF2-40B4-BE49-F238E27FC236}">
-                <a16:creationId xmlns:a16="http://schemas.microsoft.com/office/drawing/2014/main" id="{33EA348F-FBD2-4858-B6FF-8A000B3A0489}"/>
-              </a:ext>
-            </a:extLst>
-          </p:cNvPr>
-          <p:cNvSpPr>
-            <a:spLocks noGrp="1"/>
-          </p:cNvSpPr>
-          <p:nvPr>
-            <p:ph type="title"/>
-          </p:nvPr>
-        </p:nvSpPr>
-        <p:spPr/>
-        <p:txBody>
-          <a:bodyPr/>
-          <a:lstStyle/>
-          <a:p>
-            <a:r>
-              <a:rPr lang="en-US" dirty="0"/>
-              <a:t>Main Method</a:t>
-            </a:r>
-          </a:p>
-        </p:txBody>
-      </p:sp>
-      <p:pic>
-        <p:nvPicPr>
-          <p:cNvPr id="5" name="Content Placeholder 4">
-            <a:extLst>
-              <a:ext uri="{FF2B5EF4-FFF2-40B4-BE49-F238E27FC236}">
-                <a16:creationId xmlns:a16="http://schemas.microsoft.com/office/drawing/2014/main" id="{FCA9ECF5-D4CB-4198-BAAD-9D7DEFB82419}"/>
-              </a:ext>
-            </a:extLst>
-          </p:cNvPr>
-          <p:cNvPicPr>
-            <a:picLocks noGrp="1" noChangeAspect="1"/>
-          </p:cNvPicPr>
-          <p:nvPr>
-            <p:ph idx="1"/>
-          </p:nvPr>
-        </p:nvPicPr>
-        <p:blipFill>
-          <a:blip r:embed="rId2"/>
-          <a:stretch>
-            <a:fillRect/>
-          </a:stretch>
-        </p:blipFill>
-        <p:spPr>
-          <a:xfrm>
-            <a:off x="4949247" y="304800"/>
-            <a:ext cx="5867979" cy="6248400"/>
-          </a:xfrm>
-        </p:spPr>
-      </p:pic>
-    </p:spTree>
-    <p:extLst>
-      <p:ext uri="{BB962C8B-B14F-4D97-AF65-F5344CB8AC3E}">
-        <p14:creationId xmlns:p14="http://schemas.microsoft.com/office/powerpoint/2010/main" val="3492490267"/>
-      </p:ext>
-    </p:extLst>
-  </p:cSld>
-  <p:clrMapOvr>
-    <a:masterClrMapping/>
-  </p:clrMapOvr>
-</p:sld>
-</file>
-
-<file path=ppt/slides/slide4.xml><?xml version="1.0" encoding="utf-8"?>
-<p:sld xmlns:a="http://schemas.openxmlformats.org/drawingml/2006/main" xmlns:r="http://schemas.openxmlformats.org/officeDocument/2006/relationships" xmlns:p="http://schemas.openxmlformats.org/presentationml/2006/main">
-  <p:cSld>
-    <p:spTree>
-      <p:nvGrpSpPr>
-        <p:cNvPr id="1" name=""/>
-        <p:cNvGrpSpPr/>
-        <p:nvPr/>
-      </p:nvGrpSpPr>
-      <p:grpSpPr>
-        <a:xfrm>
-          <a:off x="0" y="0"/>
-          <a:ext cx="0" cy="0"/>
-          <a:chOff x="0" y="0"/>
-          <a:chExt cx="0" cy="0"/>
-        </a:xfrm>
-      </p:grpSpPr>
-      <p:sp>
-        <p:nvSpPr>
-          <p:cNvPr id="2" name="Title 1">
-            <a:extLst>
-              <a:ext uri="{FF2B5EF4-FFF2-40B4-BE49-F238E27FC236}">
-                <a16:creationId xmlns:a16="http://schemas.microsoft.com/office/drawing/2014/main" id="{33EA348F-FBD2-4858-B6FF-8A000B3A0489}"/>
-              </a:ext>
-            </a:extLst>
-          </p:cNvPr>
-          <p:cNvSpPr>
-            <a:spLocks noGrp="1"/>
-          </p:cNvSpPr>
-          <p:nvPr>
-            <p:ph type="title"/>
-          </p:nvPr>
-        </p:nvSpPr>
-        <p:spPr/>
-        <p:txBody>
-          <a:bodyPr/>
-          <a:lstStyle/>
-          <a:p>
-            <a:r>
-              <a:rPr lang="en-US" dirty="0"/>
-              <a:t>Main Method Explained</a:t>
-            </a:r>
-          </a:p>
-        </p:txBody>
-      </p:sp>
-      <p:sp>
-        <p:nvSpPr>
-          <p:cNvPr id="3" name="Content Placeholder 2">
-            <a:extLst>
-              <a:ext uri="{FF2B5EF4-FFF2-40B4-BE49-F238E27FC236}">
-                <a16:creationId xmlns:a16="http://schemas.microsoft.com/office/drawing/2014/main" id="{87379F3D-0D31-4CEA-8AEC-F34CEEFB841C}"/>
-              </a:ext>
-            </a:extLst>
-          </p:cNvPr>
-          <p:cNvSpPr>
-            <a:spLocks noGrp="1"/>
-          </p:cNvSpPr>
-          <p:nvPr>
-            <p:ph idx="1"/>
-          </p:nvPr>
-        </p:nvSpPr>
-        <p:spPr/>
-        <p:txBody>
-          <a:bodyPr/>
-          <a:lstStyle/>
-          <a:p>
-            <a:endParaRPr lang="en-US"/>
-          </a:p>
-        </p:txBody>
-      </p:sp>
-    </p:spTree>
-    <p:extLst>
-      <p:ext uri="{BB962C8B-B14F-4D97-AF65-F5344CB8AC3E}">
-        <p14:creationId xmlns:p14="http://schemas.microsoft.com/office/powerpoint/2010/main" val="2383972380"/>
-      </p:ext>
-    </p:extLst>
-  </p:cSld>
-  <p:clrMapOvr>
-    <a:masterClrMapping/>
-  </p:clrMapOvr>
-</p:sld>
-</file>
-
-<file path=ppt/slides/slide5.xml><?xml version="1.0" encoding="utf-8"?>
-<p:sld xmlns:a="http://schemas.openxmlformats.org/drawingml/2006/main" xmlns:r="http://schemas.openxmlformats.org/officeDocument/2006/relationships" xmlns:p="http://schemas.openxmlformats.org/presentationml/2006/main">
-  <p:cSld>
-    <p:spTree>
-      <p:nvGrpSpPr>
-        <p:cNvPr id="1" name=""/>
-        <p:cNvGrpSpPr/>
-        <p:nvPr/>
-      </p:nvGrpSpPr>
-      <p:grpSpPr>
-        <a:xfrm>
-          <a:off x="0" y="0"/>
-          <a:ext cx="0" cy="0"/>
-          <a:chOff x="0" y="0"/>
-          <a:chExt cx="0" cy="0"/>
-        </a:xfrm>
-      </p:grpSpPr>
-      <p:sp>
-        <p:nvSpPr>
-          <p:cNvPr id="2" name="Title 1">
-            <a:extLst>
-              <a:ext uri="{FF2B5EF4-FFF2-40B4-BE49-F238E27FC236}">
-                <a16:creationId xmlns:a16="http://schemas.microsoft.com/office/drawing/2014/main" id="{33EA348F-FBD2-4858-B6FF-8A000B3A0489}"/>
-              </a:ext>
-            </a:extLst>
-          </p:cNvPr>
-          <p:cNvSpPr>
-            <a:spLocks noGrp="1"/>
-          </p:cNvSpPr>
-          <p:nvPr>
-            <p:ph type="title"/>
-          </p:nvPr>
-        </p:nvSpPr>
-        <p:spPr/>
-        <p:txBody>
-          <a:bodyPr/>
-          <a:lstStyle/>
-          <a:p>
-            <a:r>
-              <a:rPr lang="en-US" dirty="0"/>
-              <a:t>Philosopher Class</a:t>
-            </a:r>
-          </a:p>
-        </p:txBody>
-      </p:sp>
-      <p:sp>
-        <p:nvSpPr>
-          <p:cNvPr id="3" name="Content Placeholder 2">
-            <a:extLst>
-              <a:ext uri="{FF2B5EF4-FFF2-40B4-BE49-F238E27FC236}">
-                <a16:creationId xmlns:a16="http://schemas.microsoft.com/office/drawing/2014/main" id="{87379F3D-0D31-4CEA-8AEC-F34CEEFB841C}"/>
-              </a:ext>
-            </a:extLst>
-          </p:cNvPr>
-          <p:cNvSpPr>
-            <a:spLocks noGrp="1"/>
-          </p:cNvSpPr>
-          <p:nvPr>
-            <p:ph idx="1"/>
-          </p:nvPr>
-        </p:nvSpPr>
-        <p:spPr/>
-        <p:txBody>
-          <a:bodyPr/>
-          <a:lstStyle/>
-          <a:p>
-            <a:endParaRPr lang="en-US"/>
-          </a:p>
-        </p:txBody>
-      </p:sp>
-    </p:spTree>
-    <p:extLst>
-      <p:ext uri="{BB962C8B-B14F-4D97-AF65-F5344CB8AC3E}">
-        <p14:creationId xmlns:p14="http://schemas.microsoft.com/office/powerpoint/2010/main" val="747123852"/>
-      </p:ext>
-    </p:extLst>
-  </p:cSld>
-  <p:clrMapOvr>
-    <a:masterClrMapping/>
-  </p:clrMapOvr>
-</p:sld>
-</file>
-
-<file path=ppt/slides/slide6.xml><?xml version="1.0" encoding="utf-8"?>
-<p:sld xmlns:a="http://schemas.openxmlformats.org/drawingml/2006/main" xmlns:r="http://schemas.openxmlformats.org/officeDocument/2006/relationships" xmlns:p="http://schemas.openxmlformats.org/presentationml/2006/main">
-  <p:cSld>
-    <p:spTree>
-      <p:nvGrpSpPr>
-        <p:cNvPr id="1" name=""/>
-        <p:cNvGrpSpPr/>
-        <p:nvPr/>
-      </p:nvGrpSpPr>
-      <p:grpSpPr>
-        <a:xfrm>
-          <a:off x="0" y="0"/>
-          <a:ext cx="0" cy="0"/>
-          <a:chOff x="0" y="0"/>
-          <a:chExt cx="0" cy="0"/>
-        </a:xfrm>
-      </p:grpSpPr>
-      <p:sp>
-        <p:nvSpPr>
-          <p:cNvPr id="2" name="Title 1">
-            <a:extLst>
-              <a:ext uri="{FF2B5EF4-FFF2-40B4-BE49-F238E27FC236}">
-                <a16:creationId xmlns:a16="http://schemas.microsoft.com/office/drawing/2014/main" id="{33EA348F-FBD2-4858-B6FF-8A000B3A0489}"/>
-              </a:ext>
-            </a:extLst>
-          </p:cNvPr>
-          <p:cNvSpPr>
-            <a:spLocks noGrp="1"/>
-          </p:cNvSpPr>
-          <p:nvPr>
-            <p:ph type="title"/>
-          </p:nvPr>
-        </p:nvSpPr>
-        <p:spPr/>
-        <p:txBody>
-          <a:bodyPr/>
-          <a:lstStyle/>
-          <a:p>
-            <a:r>
-              <a:rPr lang="en-US" dirty="0"/>
-              <a:t>Philosopher Class explained</a:t>
-            </a:r>
-          </a:p>
-        </p:txBody>
-      </p:sp>
-      <p:sp>
-        <p:nvSpPr>
-          <p:cNvPr id="3" name="Content Placeholder 2">
-            <a:extLst>
-              <a:ext uri="{FF2B5EF4-FFF2-40B4-BE49-F238E27FC236}">
-                <a16:creationId xmlns:a16="http://schemas.microsoft.com/office/drawing/2014/main" id="{87379F3D-0D31-4CEA-8AEC-F34CEEFB841C}"/>
-              </a:ext>
-            </a:extLst>
-          </p:cNvPr>
-          <p:cNvSpPr>
-            <a:spLocks noGrp="1"/>
-          </p:cNvSpPr>
-          <p:nvPr>
-            <p:ph idx="1"/>
-          </p:nvPr>
-        </p:nvSpPr>
-        <p:spPr/>
-        <p:txBody>
-          <a:bodyPr/>
-          <a:lstStyle/>
-          <a:p>
-            <a:endParaRPr lang="en-US"/>
-          </a:p>
-        </p:txBody>
-      </p:sp>
-    </p:spTree>
-    <p:extLst>
-      <p:ext uri="{BB962C8B-B14F-4D97-AF65-F5344CB8AC3E}">
-        <p14:creationId xmlns:p14="http://schemas.microsoft.com/office/powerpoint/2010/main" val="2962842195"/>
-      </p:ext>
-    </p:extLst>
-  </p:cSld>
-  <p:clrMapOvr>
-    <a:masterClrMapping/>
-  </p:clrMapOvr>
-</p:sld>
-</file>
-
-<file path=ppt/slides/slide7.xml><?xml version="1.0" encoding="utf-8"?>
-<p:sld xmlns:a="http://schemas.openxmlformats.org/drawingml/2006/main" xmlns:r="http://schemas.openxmlformats.org/officeDocument/2006/relationships" xmlns:p="http://schemas.openxmlformats.org/presentationml/2006/main">
-  <p:cSld>
-    <p:spTree>
-      <p:nvGrpSpPr>
-        <p:cNvPr id="1" name=""/>
-        <p:cNvGrpSpPr/>
-        <p:nvPr/>
-      </p:nvGrpSpPr>
-      <p:grpSpPr>
-        <a:xfrm>
-          <a:off x="0" y="0"/>
-          <a:ext cx="0" cy="0"/>
-          <a:chOff x="0" y="0"/>
-          <a:chExt cx="0" cy="0"/>
-        </a:xfrm>
-      </p:grpSpPr>
-      <p:sp>
-        <p:nvSpPr>
-          <p:cNvPr id="2" name="Title 1">
-            <a:extLst>
-              <a:ext uri="{FF2B5EF4-FFF2-40B4-BE49-F238E27FC236}">
-                <a16:creationId xmlns:a16="http://schemas.microsoft.com/office/drawing/2014/main" id="{33EA348F-FBD2-4858-B6FF-8A000B3A0489}"/>
-              </a:ext>
-            </a:extLst>
-          </p:cNvPr>
-          <p:cNvSpPr>
-            <a:spLocks noGrp="1"/>
-          </p:cNvSpPr>
-          <p:nvPr>
-            <p:ph type="title"/>
-          </p:nvPr>
-        </p:nvSpPr>
-        <p:spPr/>
-        <p:txBody>
-          <a:bodyPr/>
-          <a:lstStyle/>
-          <a:p>
-            <a:r>
-              <a:rPr lang="en-US" dirty="0"/>
-              <a:t>Philosopher class - run</a:t>
-            </a:r>
-          </a:p>
-        </p:txBody>
-      </p:sp>
-      <p:sp>
-        <p:nvSpPr>
-          <p:cNvPr id="3" name="Content Placeholder 2">
-            <a:extLst>
-              <a:ext uri="{FF2B5EF4-FFF2-40B4-BE49-F238E27FC236}">
-                <a16:creationId xmlns:a16="http://schemas.microsoft.com/office/drawing/2014/main" id="{87379F3D-0D31-4CEA-8AEC-F34CEEFB841C}"/>
-              </a:ext>
-            </a:extLst>
-          </p:cNvPr>
-          <p:cNvSpPr>
-            <a:spLocks noGrp="1"/>
-          </p:cNvSpPr>
-          <p:nvPr>
-            <p:ph idx="1"/>
-          </p:nvPr>
-        </p:nvSpPr>
-        <p:spPr/>
-        <p:txBody>
-          <a:bodyPr/>
-          <a:lstStyle/>
-          <a:p>
-            <a:endParaRPr lang="en-US"/>
-          </a:p>
-        </p:txBody>
-      </p:sp>
-    </p:spTree>
-    <p:extLst>
-      <p:ext uri="{BB962C8B-B14F-4D97-AF65-F5344CB8AC3E}">
-        <p14:creationId xmlns:p14="http://schemas.microsoft.com/office/powerpoint/2010/main" val="1100539259"/>
-      </p:ext>
-    </p:extLst>
-  </p:cSld>
-  <p:clrMapOvr>
-    <a:masterClrMapping/>
-  </p:clrMapOvr>
-</p:sld>
-</file>
-
-<file path=ppt/slides/slide8.xml><?xml version="1.0" encoding="utf-8"?>
-<p:sld xmlns:a="http://schemas.openxmlformats.org/drawingml/2006/main" xmlns:r="http://schemas.openxmlformats.org/officeDocument/2006/relationships" xmlns:p="http://schemas.openxmlformats.org/presentationml/2006/main">
-  <p:cSld>
-    <p:spTree>
-      <p:nvGrpSpPr>
-        <p:cNvPr id="1" name=""/>
-        <p:cNvGrpSpPr/>
-        <p:nvPr/>
-      </p:nvGrpSpPr>
-      <p:grpSpPr>
-        <a:xfrm>
-          <a:off x="0" y="0"/>
-          <a:ext cx="0" cy="0"/>
-          <a:chOff x="0" y="0"/>
-          <a:chExt cx="0" cy="0"/>
-        </a:xfrm>
-      </p:grpSpPr>
-      <p:sp>
-        <p:nvSpPr>
-          <p:cNvPr id="2" name="Title 1">
-            <a:extLst>
-              <a:ext uri="{FF2B5EF4-FFF2-40B4-BE49-F238E27FC236}">
-                <a16:creationId xmlns:a16="http://schemas.microsoft.com/office/drawing/2014/main" id="{33EA348F-FBD2-4858-B6FF-8A000B3A0489}"/>
-              </a:ext>
-            </a:extLst>
-          </p:cNvPr>
-          <p:cNvSpPr>
-            <a:spLocks noGrp="1"/>
-          </p:cNvSpPr>
-          <p:nvPr>
-            <p:ph type="title"/>
-          </p:nvPr>
-        </p:nvSpPr>
-        <p:spPr/>
-        <p:txBody>
-          <a:bodyPr/>
-          <a:lstStyle/>
-          <a:p>
-            <a:r>
-              <a:rPr lang="en-US" dirty="0"/>
-              <a:t>Challenges faced</a:t>
-            </a:r>
-          </a:p>
-        </p:txBody>
-      </p:sp>
-      <p:sp>
-        <p:nvSpPr>
-          <p:cNvPr id="3" name="Content Placeholder 2">
-            <a:extLst>
-              <a:ext uri="{FF2B5EF4-FFF2-40B4-BE49-F238E27FC236}">
-                <a16:creationId xmlns:a16="http://schemas.microsoft.com/office/drawing/2014/main" id="{87379F3D-0D31-4CEA-8AEC-F34CEEFB841C}"/>
-              </a:ext>
-            </a:extLst>
-          </p:cNvPr>
-          <p:cNvSpPr>
-            <a:spLocks noGrp="1"/>
-          </p:cNvSpPr>
-          <p:nvPr>
-            <p:ph idx="1"/>
-          </p:nvPr>
-        </p:nvSpPr>
-        <p:spPr/>
-        <p:txBody>
-          <a:bodyPr/>
-          <a:lstStyle/>
-          <a:p>
-            <a:endParaRPr lang="en-US"/>
-          </a:p>
-        </p:txBody>
-      </p:sp>
-    </p:spTree>
-    <p:extLst>
-      <p:ext uri="{BB962C8B-B14F-4D97-AF65-F5344CB8AC3E}">
-        <p14:creationId xmlns:p14="http://schemas.microsoft.com/office/powerpoint/2010/main" val="76325399"/>
-      </p:ext>
-    </p:extLst>
-  </p:cSld>
-  <p:clrMapOvr>
-    <a:masterClrMapping/>
-  </p:clrMapOvr>
-</p:sld>
-</file>
-
-<file path=ppt/slides/slide9.xml><?xml version="1.0" encoding="utf-8"?>
-<p:sld xmlns:a="http://schemas.openxmlformats.org/drawingml/2006/main" xmlns:r="http://schemas.openxmlformats.org/officeDocument/2006/relationships" xmlns:p="http://schemas.openxmlformats.org/presentationml/2006/main">
-  <p:cSld>
-    <p:spTree>
-      <p:nvGrpSpPr>
-        <p:cNvPr id="1" name=""/>
-        <p:cNvGrpSpPr/>
-        <p:nvPr/>
-      </p:nvGrpSpPr>
-      <p:grpSpPr>
-        <a:xfrm>
-          <a:off x="0" y="0"/>
-          <a:ext cx="0" cy="0"/>
-          <a:chOff x="0" y="0"/>
-          <a:chExt cx="0" cy="0"/>
-        </a:xfrm>
-      </p:grpSpPr>
-      <p:sp>
-        <p:nvSpPr>
-          <p:cNvPr id="2" name="Title 1">
-            <a:extLst>
-              <a:ext uri="{FF2B5EF4-FFF2-40B4-BE49-F238E27FC236}">
-                <a16:creationId xmlns:a16="http://schemas.microsoft.com/office/drawing/2014/main" id="{33EA348F-FBD2-4858-B6FF-8A000B3A0489}"/>
-              </a:ext>
-            </a:extLst>
-          </p:cNvPr>
-          <p:cNvSpPr>
-            <a:spLocks noGrp="1"/>
-          </p:cNvSpPr>
-          <p:nvPr>
-            <p:ph type="title"/>
-          </p:nvPr>
-        </p:nvSpPr>
-        <p:spPr/>
-        <p:txBody>
-          <a:bodyPr/>
-          <a:lstStyle/>
-          <a:p>
-            <a:r>
-              <a:rPr lang="en-US" dirty="0"/>
-              <a:t>UML</a:t>
-            </a:r>
-          </a:p>
-        </p:txBody>
-      </p:sp>
-      <p:pic>
-        <p:nvPicPr>
-          <p:cNvPr id="5" name="Content Placeholder 4">
-            <a:extLst>
-              <a:ext uri="{FF2B5EF4-FFF2-40B4-BE49-F238E27FC236}">
-                <a16:creationId xmlns:a16="http://schemas.microsoft.com/office/drawing/2014/main" id="{E150FB0F-3822-43D1-BAB4-8176FC16637D}"/>
-              </a:ext>
-            </a:extLst>
-          </p:cNvPr>
-          <p:cNvPicPr>
-            <a:picLocks noGrp="1" noChangeAspect="1"/>
-          </p:cNvPicPr>
-          <p:nvPr>
-            <p:ph idx="1"/>
-          </p:nvPr>
-        </p:nvPicPr>
-        <p:blipFill>
-          <a:blip r:embed="rId2"/>
-          <a:stretch>
-            <a:fillRect/>
-          </a:stretch>
-        </p:blipFill>
-        <p:spPr>
-          <a:xfrm>
-            <a:off x="914102" y="2065867"/>
-            <a:ext cx="10363796" cy="4103217"/>
-          </a:xfrm>
-        </p:spPr>
-      </p:pic>
-    </p:spTree>
-    <p:extLst>
-      <p:ext uri="{BB962C8B-B14F-4D97-AF65-F5344CB8AC3E}">
-        <p14:creationId xmlns:p14="http://schemas.microsoft.com/office/powerpoint/2010/main" val="2327009108"/>
       </p:ext>
     </p:extLst>
   </p:cSld>

--- a/Presentation.pptx
+++ b/Presentation.pptx
@@ -350,7 +350,7 @@
             <a:fld id="{B61BEF0D-F0BB-DE4B-95CE-6DB70DBA9567}" type="datetimeFigureOut">
               <a:rPr lang="en-US" dirty="0"/>
               <a:pPr/>
-              <a:t>11/30/21</a:t>
+              <a:t>11/30/2021</a:t>
             </a:fld>
             <a:endParaRPr lang="en-US" dirty="0"/>
           </a:p>
@@ -681,7 +681,7 @@
             <a:fld id="{B61BEF0D-F0BB-DE4B-95CE-6DB70DBA9567}" type="datetimeFigureOut">
               <a:rPr lang="en-US" dirty="0"/>
               <a:pPr/>
-              <a:t>11/30/21</a:t>
+              <a:t>11/30/2021</a:t>
             </a:fld>
             <a:endParaRPr lang="en-US" dirty="0"/>
           </a:p>
@@ -956,7 +956,7 @@
             <a:fld id="{B61BEF0D-F0BB-DE4B-95CE-6DB70DBA9567}" type="datetimeFigureOut">
               <a:rPr lang="en-US" dirty="0"/>
               <a:pPr/>
-              <a:t>11/30/21</a:t>
+              <a:t>11/30/2021</a:t>
             </a:fld>
             <a:endParaRPr lang="en-US" dirty="0"/>
           </a:p>
@@ -1521,7 +1521,7 @@
             <a:fld id="{B61BEF0D-F0BB-DE4B-95CE-6DB70DBA9567}" type="datetimeFigureOut">
               <a:rPr lang="en-US" dirty="0"/>
               <a:pPr/>
-              <a:t>11/30/21</a:t>
+              <a:t>11/30/2021</a:t>
             </a:fld>
             <a:endParaRPr lang="en-US" dirty="0"/>
           </a:p>
@@ -1796,7 +1796,7 @@
             <a:fld id="{B61BEF0D-F0BB-DE4B-95CE-6DB70DBA9567}" type="datetimeFigureOut">
               <a:rPr lang="en-US" dirty="0"/>
               <a:pPr/>
-              <a:t>11/30/21</a:t>
+              <a:t>11/30/2021</a:t>
             </a:fld>
             <a:endParaRPr lang="en-US" dirty="0"/>
           </a:p>
@@ -2355,7 +2355,7 @@
             <a:fld id="{B61BEF0D-F0BB-DE4B-95CE-6DB70DBA9567}" type="datetimeFigureOut">
               <a:rPr lang="en-US" dirty="0"/>
               <a:pPr/>
-              <a:t>11/30/21</a:t>
+              <a:t>11/30/2021</a:t>
             </a:fld>
             <a:endParaRPr lang="en-US" dirty="0"/>
           </a:p>
@@ -2679,7 +2679,7 @@
             <a:fld id="{B61BEF0D-F0BB-DE4B-95CE-6DB70DBA9567}" type="datetimeFigureOut">
               <a:rPr lang="en-US" dirty="0"/>
               <a:pPr/>
-              <a:t>11/30/21</a:t>
+              <a:t>11/30/2021</a:t>
             </a:fld>
             <a:endParaRPr lang="en-US" dirty="0"/>
           </a:p>
@@ -2853,7 +2853,7 @@
             <a:fld id="{B61BEF0D-F0BB-DE4B-95CE-6DB70DBA9567}" type="datetimeFigureOut">
               <a:rPr lang="en-US" dirty="0"/>
               <a:pPr/>
-              <a:t>11/30/21</a:t>
+              <a:t>11/30/2021</a:t>
             </a:fld>
             <a:endParaRPr lang="en-US" dirty="0"/>
           </a:p>
@@ -3088,7 +3088,7 @@
             <a:fld id="{B61BEF0D-F0BB-DE4B-95CE-6DB70DBA9567}" type="datetimeFigureOut">
               <a:rPr lang="en-US" dirty="0"/>
               <a:pPr/>
-              <a:t>11/30/21</a:t>
+              <a:t>11/30/2021</a:t>
             </a:fld>
             <a:endParaRPr lang="en-US" dirty="0"/>
           </a:p>
@@ -3285,7 +3285,7 @@
             <a:fld id="{B61BEF0D-F0BB-DE4B-95CE-6DB70DBA9567}" type="datetimeFigureOut">
               <a:rPr lang="en-US" dirty="0"/>
               <a:pPr/>
-              <a:t>11/30/21</a:t>
+              <a:t>11/30/2021</a:t>
             </a:fld>
             <a:endParaRPr lang="en-US" dirty="0"/>
           </a:p>
@@ -3558,7 +3558,7 @@
             <a:fld id="{B61BEF0D-F0BB-DE4B-95CE-6DB70DBA9567}" type="datetimeFigureOut">
               <a:rPr lang="en-US" dirty="0"/>
               <a:pPr/>
-              <a:t>11/30/21</a:t>
+              <a:t>11/30/2021</a:t>
             </a:fld>
             <a:endParaRPr lang="en-US" dirty="0"/>
           </a:p>
@@ -3821,7 +3821,7 @@
             <a:fld id="{B61BEF0D-F0BB-DE4B-95CE-6DB70DBA9567}" type="datetimeFigureOut">
               <a:rPr lang="en-US" dirty="0"/>
               <a:pPr/>
-              <a:t>11/30/21</a:t>
+              <a:t>11/30/2021</a:t>
             </a:fld>
             <a:endParaRPr lang="en-US" dirty="0"/>
           </a:p>
@@ -4192,7 +4192,7 @@
             <a:fld id="{B61BEF0D-F0BB-DE4B-95CE-6DB70DBA9567}" type="datetimeFigureOut">
               <a:rPr lang="en-US" dirty="0"/>
               <a:pPr/>
-              <a:t>11/30/21</a:t>
+              <a:t>11/30/2021</a:t>
             </a:fld>
             <a:endParaRPr lang="en-US" dirty="0"/>
           </a:p>
@@ -4337,7 +4337,7 @@
             <a:fld id="{B61BEF0D-F0BB-DE4B-95CE-6DB70DBA9567}" type="datetimeFigureOut">
               <a:rPr lang="en-US" dirty="0"/>
               <a:pPr/>
-              <a:t>11/30/21</a:t>
+              <a:t>11/30/2021</a:t>
             </a:fld>
             <a:endParaRPr lang="en-US" dirty="0"/>
           </a:p>
@@ -4459,7 +4459,7 @@
             <a:fld id="{B61BEF0D-F0BB-DE4B-95CE-6DB70DBA9567}" type="datetimeFigureOut">
               <a:rPr lang="en-US" dirty="0"/>
               <a:pPr/>
-              <a:t>11/30/21</a:t>
+              <a:t>11/30/2021</a:t>
             </a:fld>
             <a:endParaRPr lang="en-US" dirty="0"/>
           </a:p>
@@ -4741,7 +4741,7 @@
             <a:fld id="{B61BEF0D-F0BB-DE4B-95CE-6DB70DBA9567}" type="datetimeFigureOut">
               <a:rPr lang="en-US" dirty="0"/>
               <a:pPr/>
-              <a:t>11/30/21</a:t>
+              <a:t>11/30/2021</a:t>
             </a:fld>
             <a:endParaRPr lang="en-US" dirty="0"/>
           </a:p>
@@ -5062,7 +5062,7 @@
             <a:fld id="{B61BEF0D-F0BB-DE4B-95CE-6DB70DBA9567}" type="datetimeFigureOut">
               <a:rPr lang="en-US" dirty="0"/>
               <a:pPr/>
-              <a:t>11/30/21</a:t>
+              <a:t>11/30/2021</a:t>
             </a:fld>
             <a:endParaRPr lang="en-US" dirty="0"/>
           </a:p>
@@ -5273,7 +5273,7 @@
             <a:fld id="{B61BEF0D-F0BB-DE4B-95CE-6DB70DBA9567}" type="datetimeFigureOut">
               <a:rPr lang="en-US" dirty="0"/>
               <a:pPr/>
-              <a:t>11/30/21</a:t>
+              <a:t>11/30/2021</a:t>
             </a:fld>
             <a:endParaRPr lang="en-US" dirty="0"/>
           </a:p>
@@ -6236,31 +6236,96 @@
           </a:p>
         </p:txBody>
       </p:sp>
-      <p:sp>
-        <p:nvSpPr>
-          <p:cNvPr id="3" name="Content Placeholder 2">
+      <p:pic>
+        <p:nvPicPr>
+          <p:cNvPr id="4" name="Picture 3">
             <a:extLst>
               <a:ext uri="{FF2B5EF4-FFF2-40B4-BE49-F238E27FC236}">
-                <a16:creationId xmlns:a16="http://schemas.microsoft.com/office/drawing/2014/main" id="{87379F3D-0D31-4CEA-8AEC-F34CEEFB841C}"/>
+                <a16:creationId xmlns:a16="http://schemas.microsoft.com/office/drawing/2014/main" id="{8F69297A-AA3E-4822-88BE-2059DEAEA88E}"/>
               </a:ext>
             </a:extLst>
           </p:cNvPr>
-          <p:cNvSpPr>
-            <a:spLocks noGrp="1"/>
-          </p:cNvSpPr>
-          <p:nvPr>
-            <p:ph idx="1"/>
-          </p:nvPr>
-        </p:nvSpPr>
-        <p:spPr/>
-        <p:txBody>
-          <a:bodyPr/>
-          <a:lstStyle/>
-          <a:p>
-            <a:endParaRPr lang="en-US"/>
-          </a:p>
-        </p:txBody>
-      </p:sp>
+          <p:cNvPicPr>
+            <a:picLocks noChangeAspect="1"/>
+          </p:cNvPicPr>
+          <p:nvPr/>
+        </p:nvPicPr>
+        <p:blipFill>
+          <a:blip r:embed="rId3"/>
+          <a:stretch>
+            <a:fillRect/>
+          </a:stretch>
+        </p:blipFill>
+        <p:spPr>
+          <a:xfrm>
+            <a:off x="8128639" y="1835573"/>
+            <a:ext cx="3472796" cy="3745830"/>
+          </a:xfrm>
+          <a:prstGeom prst="rect">
+            <a:avLst/>
+          </a:prstGeom>
+        </p:spPr>
+      </p:pic>
+      <p:pic>
+        <p:nvPicPr>
+          <p:cNvPr id="5" name="Picture 4">
+            <a:extLst>
+              <a:ext uri="{FF2B5EF4-FFF2-40B4-BE49-F238E27FC236}">
+                <a16:creationId xmlns:a16="http://schemas.microsoft.com/office/drawing/2014/main" id="{76073965-F41F-458B-B7A8-33423598797B}"/>
+              </a:ext>
+            </a:extLst>
+          </p:cNvPr>
+          <p:cNvPicPr>
+            <a:picLocks noChangeAspect="1"/>
+          </p:cNvPicPr>
+          <p:nvPr/>
+        </p:nvPicPr>
+        <p:blipFill>
+          <a:blip r:embed="rId4"/>
+          <a:stretch>
+            <a:fillRect/>
+          </a:stretch>
+        </p:blipFill>
+        <p:spPr>
+          <a:xfrm>
+            <a:off x="685801" y="1835573"/>
+            <a:ext cx="3377560" cy="3745830"/>
+          </a:xfrm>
+          <a:prstGeom prst="rect">
+            <a:avLst/>
+          </a:prstGeom>
+        </p:spPr>
+      </p:pic>
+      <p:pic>
+        <p:nvPicPr>
+          <p:cNvPr id="6" name="Picture 5">
+            <a:extLst>
+              <a:ext uri="{FF2B5EF4-FFF2-40B4-BE49-F238E27FC236}">
+                <a16:creationId xmlns:a16="http://schemas.microsoft.com/office/drawing/2014/main" id="{03EFE4AF-A926-402E-BB13-F73BDCE27F4B}"/>
+              </a:ext>
+            </a:extLst>
+          </p:cNvPr>
+          <p:cNvPicPr>
+            <a:picLocks noChangeAspect="1"/>
+          </p:cNvPicPr>
+          <p:nvPr/>
+        </p:nvPicPr>
+        <p:blipFill>
+          <a:blip r:embed="rId5"/>
+          <a:stretch>
+            <a:fillRect/>
+          </a:stretch>
+        </p:blipFill>
+        <p:spPr>
+          <a:xfrm>
+            <a:off x="4359602" y="1835573"/>
+            <a:ext cx="3472796" cy="2553190"/>
+          </a:xfrm>
+          <a:prstGeom prst="rect">
+            <a:avLst/>
+          </a:prstGeom>
+        </p:spPr>
+      </p:pic>
     </p:spTree>
     <p:extLst>
       <p:ext uri="{BB962C8B-B14F-4D97-AF65-F5344CB8AC3E}">
